--- a/bigdata.pptx
+++ b/bigdata.pptx
@@ -13,6 +13,13 @@
     <p:sldId id="262" r:id="rId7"/>
     <p:sldId id="263" r:id="rId8"/>
     <p:sldId id="260" r:id="rId9"/>
+    <p:sldId id="264" r:id="rId10"/>
+    <p:sldId id="266" r:id="rId11"/>
+    <p:sldId id="267" r:id="rId12"/>
+    <p:sldId id="268" r:id="rId13"/>
+    <p:sldId id="269" r:id="rId14"/>
+    <p:sldId id="270" r:id="rId15"/>
+    <p:sldId id="265" r:id="rId16"/>
   </p:sldIdLst>
   <p:sldSz cx="12192000" cy="6858000"/>
   <p:notesSz cx="6858000" cy="9144000"/>
@@ -111,6 +118,11 @@
       </a:defRPr>
     </a:lvl9pPr>
   </p:defaultTextStyle>
+  <p:extLst>
+    <p:ext uri="{EFAFB233-063F-42B5-8137-9DF3F51BA10A}">
+      <p15:sldGuideLst xmlns:p15="http://schemas.microsoft.com/office/powerpoint/2012/main"/>
+    </p:ext>
+  </p:extLst>
 </p:presentation>
 </file>
 
@@ -302,7 +314,7 @@
           <a:p>
             <a:fld id="{D3AC7C96-090C-4482-9B4F-5A2CCA0BCF34}" type="datetimeFigureOut">
               <a:rPr lang="en-IN" smtClean="0"/>
-              <a:t>11-10-2023</a:t>
+              <a:t>18-10-2023</a:t>
             </a:fld>
             <a:endParaRPr lang="en-IN"/>
           </a:p>
@@ -640,7 +652,7 @@
           <a:p>
             <a:fld id="{D3AC7C96-090C-4482-9B4F-5A2CCA0BCF34}" type="datetimeFigureOut">
               <a:rPr lang="en-IN" smtClean="0"/>
-              <a:t>11-10-2023</a:t>
+              <a:t>18-10-2023</a:t>
             </a:fld>
             <a:endParaRPr lang="en-IN"/>
           </a:p>
@@ -1041,7 +1053,7 @@
           <a:p>
             <a:fld id="{D3AC7C96-090C-4482-9B4F-5A2CCA0BCF34}" type="datetimeFigureOut">
               <a:rPr lang="en-IN" smtClean="0"/>
-              <a:t>11-10-2023</a:t>
+              <a:t>18-10-2023</a:t>
             </a:fld>
             <a:endParaRPr lang="en-IN"/>
           </a:p>
@@ -1377,7 +1389,7 @@
           <a:p>
             <a:fld id="{D3AC7C96-090C-4482-9B4F-5A2CCA0BCF34}" type="datetimeFigureOut">
               <a:rPr lang="en-IN" smtClean="0"/>
-              <a:t>11-10-2023</a:t>
+              <a:t>18-10-2023</a:t>
             </a:fld>
             <a:endParaRPr lang="en-IN"/>
           </a:p>
@@ -1697,7 +1709,7 @@
           <a:p>
             <a:fld id="{D3AC7C96-090C-4482-9B4F-5A2CCA0BCF34}" type="datetimeFigureOut">
               <a:rPr lang="en-IN" smtClean="0"/>
-              <a:t>11-10-2023</a:t>
+              <a:t>18-10-2023</a:t>
             </a:fld>
             <a:endParaRPr lang="en-IN"/>
           </a:p>
@@ -2093,7 +2105,7 @@
           <a:p>
             <a:fld id="{D3AC7C96-090C-4482-9B4F-5A2CCA0BCF34}" type="datetimeFigureOut">
               <a:rPr lang="en-IN" smtClean="0"/>
-              <a:t>11-10-2023</a:t>
+              <a:t>18-10-2023</a:t>
             </a:fld>
             <a:endParaRPr lang="en-IN"/>
           </a:p>
@@ -2350,7 +2362,7 @@
           <a:p>
             <a:fld id="{D3AC7C96-090C-4482-9B4F-5A2CCA0BCF34}" type="datetimeFigureOut">
               <a:rPr lang="en-IN" smtClean="0"/>
-              <a:t>11-10-2023</a:t>
+              <a:t>18-10-2023</a:t>
             </a:fld>
             <a:endParaRPr lang="en-IN"/>
           </a:p>
@@ -2612,7 +2624,7 @@
           <a:p>
             <a:fld id="{D3AC7C96-090C-4482-9B4F-5A2CCA0BCF34}" type="datetimeFigureOut">
               <a:rPr lang="en-IN" smtClean="0"/>
-              <a:t>11-10-2023</a:t>
+              <a:t>18-10-2023</a:t>
             </a:fld>
             <a:endParaRPr lang="en-IN"/>
           </a:p>
@@ -2874,7 +2886,7 @@
           <a:p>
             <a:fld id="{D3AC7C96-090C-4482-9B4F-5A2CCA0BCF34}" type="datetimeFigureOut">
               <a:rPr lang="en-IN" smtClean="0"/>
-              <a:t>11-10-2023</a:t>
+              <a:t>18-10-2023</a:t>
             </a:fld>
             <a:endParaRPr lang="en-IN"/>
           </a:p>
@@ -3203,7 +3215,7 @@
           <a:p>
             <a:fld id="{D3AC7C96-090C-4482-9B4F-5A2CCA0BCF34}" type="datetimeFigureOut">
               <a:rPr lang="en-IN" smtClean="0"/>
-              <a:t>11-10-2023</a:t>
+              <a:t>18-10-2023</a:t>
             </a:fld>
             <a:endParaRPr lang="en-IN"/>
           </a:p>
@@ -3526,7 +3538,7 @@
           <a:p>
             <a:fld id="{D3AC7C96-090C-4482-9B4F-5A2CCA0BCF34}" type="datetimeFigureOut">
               <a:rPr lang="en-IN" smtClean="0"/>
-              <a:t>11-10-2023</a:t>
+              <a:t>18-10-2023</a:t>
             </a:fld>
             <a:endParaRPr lang="en-IN"/>
           </a:p>
@@ -3983,7 +3995,7 @@
           <a:p>
             <a:fld id="{D3AC7C96-090C-4482-9B4F-5A2CCA0BCF34}" type="datetimeFigureOut">
               <a:rPr lang="en-IN" smtClean="0"/>
-              <a:t>11-10-2023</a:t>
+              <a:t>18-10-2023</a:t>
             </a:fld>
             <a:endParaRPr lang="en-IN"/>
           </a:p>
@@ -4188,7 +4200,7 @@
           <a:p>
             <a:fld id="{D3AC7C96-090C-4482-9B4F-5A2CCA0BCF34}" type="datetimeFigureOut">
               <a:rPr lang="en-IN" smtClean="0"/>
-              <a:t>11-10-2023</a:t>
+              <a:t>18-10-2023</a:t>
             </a:fld>
             <a:endParaRPr lang="en-IN"/>
           </a:p>
@@ -4365,7 +4377,7 @@
           <a:p>
             <a:fld id="{D3AC7C96-090C-4482-9B4F-5A2CCA0BCF34}" type="datetimeFigureOut">
               <a:rPr lang="en-IN" smtClean="0"/>
-              <a:t>11-10-2023</a:t>
+              <a:t>18-10-2023</a:t>
             </a:fld>
             <a:endParaRPr lang="en-IN"/>
           </a:p>
@@ -4698,7 +4710,7 @@
           <a:p>
             <a:fld id="{D3AC7C96-090C-4482-9B4F-5A2CCA0BCF34}" type="datetimeFigureOut">
               <a:rPr lang="en-IN" smtClean="0"/>
-              <a:t>11-10-2023</a:t>
+              <a:t>18-10-2023</a:t>
             </a:fld>
             <a:endParaRPr lang="en-IN"/>
           </a:p>
@@ -5043,7 +5055,7 @@
           <a:p>
             <a:fld id="{D3AC7C96-090C-4482-9B4F-5A2CCA0BCF34}" type="datetimeFigureOut">
               <a:rPr lang="en-IN" smtClean="0"/>
-              <a:t>11-10-2023</a:t>
+              <a:t>18-10-2023</a:t>
             </a:fld>
             <a:endParaRPr lang="en-IN"/>
           </a:p>
@@ -7160,7 +7172,7 @@
           <a:p>
             <a:fld id="{D3AC7C96-090C-4482-9B4F-5A2CCA0BCF34}" type="datetimeFigureOut">
               <a:rPr lang="en-IN" smtClean="0"/>
-              <a:t>11-10-2023</a:t>
+              <a:t>18-10-2023</a:t>
             </a:fld>
             <a:endParaRPr lang="en-IN"/>
           </a:p>
@@ -7995,6 +8007,1846 @@
 </p:sld>
 </file>
 
+<file path=ppt/slides/slide10.xml><?xml version="1.0" encoding="utf-8"?>
+<p:sld xmlns:a="http://schemas.openxmlformats.org/drawingml/2006/main" xmlns:r="http://schemas.openxmlformats.org/officeDocument/2006/relationships" xmlns:p="http://schemas.openxmlformats.org/presentationml/2006/main">
+  <p:cSld>
+    <p:spTree>
+      <p:nvGrpSpPr>
+        <p:cNvPr id="1" name=""/>
+        <p:cNvGrpSpPr/>
+        <p:nvPr/>
+      </p:nvGrpSpPr>
+      <p:grpSpPr>
+        <a:xfrm>
+          <a:off x="0" y="0"/>
+          <a:ext cx="0" cy="0"/>
+          <a:chOff x="0" y="0"/>
+          <a:chExt cx="0" cy="0"/>
+        </a:xfrm>
+      </p:grpSpPr>
+      <p:sp>
+        <p:nvSpPr>
+          <p:cNvPr id="2" name="Title 1">
+            <a:extLst>
+              <a:ext uri="{FF2B5EF4-FFF2-40B4-BE49-F238E27FC236}">
+                <a16:creationId xmlns:a16="http://schemas.microsoft.com/office/drawing/2014/main" id="{FF1689BD-BE9B-24E9-0009-CEF01A20497E}"/>
+              </a:ext>
+            </a:extLst>
+          </p:cNvPr>
+          <p:cNvSpPr>
+            <a:spLocks noGrp="1"/>
+          </p:cNvSpPr>
+          <p:nvPr>
+            <p:ph type="title"/>
+          </p:nvPr>
+        </p:nvSpPr>
+        <p:spPr>
+          <a:xfrm>
+            <a:off x="2235251" y="259299"/>
+            <a:ext cx="8911687" cy="1280890"/>
+          </a:xfrm>
+        </p:spPr>
+        <p:txBody>
+          <a:bodyPr/>
+          <a:lstStyle/>
+          <a:p>
+            <a:r>
+              <a:rPr lang="en-US" dirty="0">
+                <a:latin typeface="Arial Black" panose="020B0A04020102020204" pitchFamily="34" charset="0"/>
+              </a:rPr>
+              <a:t>MAPPER CODE:</a:t>
+            </a:r>
+            <a:endParaRPr lang="en-IN" dirty="0">
+              <a:latin typeface="Arial Black" panose="020B0A04020102020204" pitchFamily="34" charset="0"/>
+            </a:endParaRPr>
+          </a:p>
+        </p:txBody>
+      </p:sp>
+      <p:sp>
+        <p:nvSpPr>
+          <p:cNvPr id="3" name="Content Placeholder 2">
+            <a:extLst>
+              <a:ext uri="{FF2B5EF4-FFF2-40B4-BE49-F238E27FC236}">
+                <a16:creationId xmlns:a16="http://schemas.microsoft.com/office/drawing/2014/main" id="{C9A47BD4-F29B-0974-74F7-D65806ABDFDA}"/>
+              </a:ext>
+            </a:extLst>
+          </p:cNvPr>
+          <p:cNvSpPr>
+            <a:spLocks noGrp="1"/>
+          </p:cNvSpPr>
+          <p:nvPr>
+            <p:ph idx="1"/>
+          </p:nvPr>
+        </p:nvSpPr>
+        <p:spPr>
+          <a:xfrm>
+            <a:off x="1887409" y="969918"/>
+            <a:ext cx="8915400" cy="3777622"/>
+          </a:xfrm>
+        </p:spPr>
+        <p:txBody>
+          <a:bodyPr>
+            <a:noAutofit/>
+          </a:bodyPr>
+          <a:lstStyle/>
+          <a:p>
+            <a:pPr marL="0" indent="0">
+              <a:buNone/>
+            </a:pPr>
+            <a:r>
+              <a:rPr lang="en-IN" sz="2400" b="1" dirty="0">
+                <a:latin typeface="Calibri" panose="020F0502020204030204" pitchFamily="34" charset="0"/>
+                <a:ea typeface="Calibri" panose="020F0502020204030204" pitchFamily="34" charset="0"/>
+                <a:cs typeface="Calibri" panose="020F0502020204030204" pitchFamily="34" charset="0"/>
+              </a:rPr>
+              <a:t>import </a:t>
+            </a:r>
+            <a:r>
+              <a:rPr lang="en-IN" sz="2400" b="1" dirty="0" err="1">
+                <a:latin typeface="Calibri" panose="020F0502020204030204" pitchFamily="34" charset="0"/>
+                <a:ea typeface="Calibri" panose="020F0502020204030204" pitchFamily="34" charset="0"/>
+                <a:cs typeface="Calibri" panose="020F0502020204030204" pitchFamily="34" charset="0"/>
+              </a:rPr>
+              <a:t>org.apache.hadoop.io.LongWritable</a:t>
+            </a:r>
+            <a:r>
+              <a:rPr lang="en-IN" sz="2400" b="1" dirty="0">
+                <a:latin typeface="Calibri" panose="020F0502020204030204" pitchFamily="34" charset="0"/>
+                <a:ea typeface="Calibri" panose="020F0502020204030204" pitchFamily="34" charset="0"/>
+                <a:cs typeface="Calibri" panose="020F0502020204030204" pitchFamily="34" charset="0"/>
+              </a:rPr>
+              <a:t>;</a:t>
+            </a:r>
+          </a:p>
+          <a:p>
+            <a:pPr marL="0" indent="0">
+              <a:buNone/>
+            </a:pPr>
+            <a:r>
+              <a:rPr lang="en-IN" sz="2400" b="1" dirty="0">
+                <a:latin typeface="Calibri" panose="020F0502020204030204" pitchFamily="34" charset="0"/>
+                <a:ea typeface="Calibri" panose="020F0502020204030204" pitchFamily="34" charset="0"/>
+                <a:cs typeface="Calibri" panose="020F0502020204030204" pitchFamily="34" charset="0"/>
+              </a:rPr>
+              <a:t>Import </a:t>
+            </a:r>
+            <a:r>
+              <a:rPr lang="en-IN" sz="2400" b="1" dirty="0" err="1">
+                <a:latin typeface="Calibri" panose="020F0502020204030204" pitchFamily="34" charset="0"/>
+                <a:ea typeface="Calibri" panose="020F0502020204030204" pitchFamily="34" charset="0"/>
+                <a:cs typeface="Calibri" panose="020F0502020204030204" pitchFamily="34" charset="0"/>
+              </a:rPr>
+              <a:t>org.apache.hadoop.io.Text</a:t>
+            </a:r>
+            <a:r>
+              <a:rPr lang="en-IN" sz="2400" b="1" dirty="0">
+                <a:latin typeface="Calibri" panose="020F0502020204030204" pitchFamily="34" charset="0"/>
+                <a:ea typeface="Calibri" panose="020F0502020204030204" pitchFamily="34" charset="0"/>
+                <a:cs typeface="Calibri" panose="020F0502020204030204" pitchFamily="34" charset="0"/>
+              </a:rPr>
+              <a:t>;</a:t>
+            </a:r>
+          </a:p>
+          <a:p>
+            <a:pPr marL="0" indent="0">
+              <a:buNone/>
+            </a:pPr>
+            <a:r>
+              <a:rPr lang="en-IN" sz="2400" b="1" dirty="0">
+                <a:latin typeface="Calibri" panose="020F0502020204030204" pitchFamily="34" charset="0"/>
+                <a:ea typeface="Calibri" panose="020F0502020204030204" pitchFamily="34" charset="0"/>
+                <a:cs typeface="Calibri" panose="020F0502020204030204" pitchFamily="34" charset="0"/>
+              </a:rPr>
+              <a:t>import </a:t>
+            </a:r>
+            <a:r>
+              <a:rPr lang="en-IN" sz="2400" b="1" dirty="0" err="1">
+                <a:latin typeface="Calibri" panose="020F0502020204030204" pitchFamily="34" charset="0"/>
+                <a:ea typeface="Calibri" panose="020F0502020204030204" pitchFamily="34" charset="0"/>
+                <a:cs typeface="Calibri" panose="020F0502020204030204" pitchFamily="34" charset="0"/>
+              </a:rPr>
+              <a:t>org.apache.hadoop.mapreduce.Mapper</a:t>
+            </a:r>
+            <a:r>
+              <a:rPr lang="en-IN" sz="2400" b="1" dirty="0">
+                <a:latin typeface="Calibri" panose="020F0502020204030204" pitchFamily="34" charset="0"/>
+                <a:ea typeface="Calibri" panose="020F0502020204030204" pitchFamily="34" charset="0"/>
+                <a:cs typeface="Calibri" panose="020F0502020204030204" pitchFamily="34" charset="0"/>
+              </a:rPr>
+              <a:t>;</a:t>
+            </a:r>
+          </a:p>
+          <a:p>
+            <a:pPr marL="0" indent="0">
+              <a:buNone/>
+            </a:pPr>
+            <a:r>
+              <a:rPr lang="en-IN" sz="2400" b="1" dirty="0">
+                <a:latin typeface="Calibri" panose="020F0502020204030204" pitchFamily="34" charset="0"/>
+                <a:ea typeface="Calibri" panose="020F0502020204030204" pitchFamily="34" charset="0"/>
+                <a:cs typeface="Calibri" panose="020F0502020204030204" pitchFamily="34" charset="0"/>
+              </a:rPr>
+              <a:t>public class </a:t>
+            </a:r>
+            <a:r>
+              <a:rPr lang="en-IN" sz="2400" b="1" dirty="0" err="1">
+                <a:latin typeface="Calibri" panose="020F0502020204030204" pitchFamily="34" charset="0"/>
+                <a:ea typeface="Calibri" panose="020F0502020204030204" pitchFamily="34" charset="0"/>
+                <a:cs typeface="Calibri" panose="020F0502020204030204" pitchFamily="34" charset="0"/>
+              </a:rPr>
+              <a:t>MyMapper</a:t>
+            </a:r>
+            <a:r>
+              <a:rPr lang="en-IN" sz="2400" b="1" dirty="0">
+                <a:latin typeface="Calibri" panose="020F0502020204030204" pitchFamily="34" charset="0"/>
+                <a:ea typeface="Calibri" panose="020F0502020204030204" pitchFamily="34" charset="0"/>
+                <a:cs typeface="Calibri" panose="020F0502020204030204" pitchFamily="34" charset="0"/>
+              </a:rPr>
+              <a:t> extends Mapper&lt;</a:t>
+            </a:r>
+            <a:r>
+              <a:rPr lang="en-IN" sz="2400" b="1" dirty="0" err="1">
+                <a:latin typeface="Calibri" panose="020F0502020204030204" pitchFamily="34" charset="0"/>
+                <a:ea typeface="Calibri" panose="020F0502020204030204" pitchFamily="34" charset="0"/>
+                <a:cs typeface="Calibri" panose="020F0502020204030204" pitchFamily="34" charset="0"/>
+              </a:rPr>
+              <a:t>LongWritable</a:t>
+            </a:r>
+            <a:r>
+              <a:rPr lang="en-IN" sz="2400" b="1" dirty="0">
+                <a:latin typeface="Calibri" panose="020F0502020204030204" pitchFamily="34" charset="0"/>
+                <a:ea typeface="Calibri" panose="020F0502020204030204" pitchFamily="34" charset="0"/>
+                <a:cs typeface="Calibri" panose="020F0502020204030204" pitchFamily="34" charset="0"/>
+              </a:rPr>
+              <a:t>, Text, Text, </a:t>
+            </a:r>
+            <a:r>
+              <a:rPr lang="en-IN" sz="2400" b="1" dirty="0" err="1">
+                <a:latin typeface="Calibri" panose="020F0502020204030204" pitchFamily="34" charset="0"/>
+                <a:ea typeface="Calibri" panose="020F0502020204030204" pitchFamily="34" charset="0"/>
+                <a:cs typeface="Calibri" panose="020F0502020204030204" pitchFamily="34" charset="0"/>
+              </a:rPr>
+              <a:t>IntWritable</a:t>
+            </a:r>
+            <a:r>
+              <a:rPr lang="en-IN" sz="2400" b="1" dirty="0">
+                <a:latin typeface="Calibri" panose="020F0502020204030204" pitchFamily="34" charset="0"/>
+                <a:ea typeface="Calibri" panose="020F0502020204030204" pitchFamily="34" charset="0"/>
+                <a:cs typeface="Calibri" panose="020F0502020204030204" pitchFamily="34" charset="0"/>
+              </a:rPr>
+              <a:t>&gt; {    </a:t>
+            </a:r>
+          </a:p>
+          <a:p>
+            <a:pPr marL="0" indent="0">
+              <a:buNone/>
+            </a:pPr>
+            <a:r>
+              <a:rPr lang="en-IN" sz="2400" b="1" dirty="0">
+                <a:latin typeface="Calibri" panose="020F0502020204030204" pitchFamily="34" charset="0"/>
+                <a:ea typeface="Calibri" panose="020F0502020204030204" pitchFamily="34" charset="0"/>
+                <a:cs typeface="Calibri" panose="020F0502020204030204" pitchFamily="34" charset="0"/>
+              </a:rPr>
+              <a:t>public void map(</a:t>
+            </a:r>
+            <a:r>
+              <a:rPr lang="en-IN" sz="2400" b="1" dirty="0" err="1">
+                <a:latin typeface="Calibri" panose="020F0502020204030204" pitchFamily="34" charset="0"/>
+                <a:ea typeface="Calibri" panose="020F0502020204030204" pitchFamily="34" charset="0"/>
+                <a:cs typeface="Calibri" panose="020F0502020204030204" pitchFamily="34" charset="0"/>
+              </a:rPr>
+              <a:t>LongWritable</a:t>
+            </a:r>
+            <a:r>
+              <a:rPr lang="en-IN" sz="2400" b="1" dirty="0">
+                <a:latin typeface="Calibri" panose="020F0502020204030204" pitchFamily="34" charset="0"/>
+                <a:ea typeface="Calibri" panose="020F0502020204030204" pitchFamily="34" charset="0"/>
+                <a:cs typeface="Calibri" panose="020F0502020204030204" pitchFamily="34" charset="0"/>
+              </a:rPr>
+              <a:t> key, Text value, Context context) throws </a:t>
+            </a:r>
+            <a:r>
+              <a:rPr lang="en-IN" sz="2400" b="1" dirty="0" err="1">
+                <a:latin typeface="Calibri" panose="020F0502020204030204" pitchFamily="34" charset="0"/>
+                <a:ea typeface="Calibri" panose="020F0502020204030204" pitchFamily="34" charset="0"/>
+                <a:cs typeface="Calibri" panose="020F0502020204030204" pitchFamily="34" charset="0"/>
+              </a:rPr>
+              <a:t>IOException</a:t>
+            </a:r>
+            <a:r>
+              <a:rPr lang="en-IN" sz="2400" b="1" dirty="0">
+                <a:latin typeface="Calibri" panose="020F0502020204030204" pitchFamily="34" charset="0"/>
+                <a:ea typeface="Calibri" panose="020F0502020204030204" pitchFamily="34" charset="0"/>
+                <a:cs typeface="Calibri" panose="020F0502020204030204" pitchFamily="34" charset="0"/>
+              </a:rPr>
+              <a:t>, </a:t>
+            </a:r>
+            <a:r>
+              <a:rPr lang="en-IN" sz="2400" b="1" dirty="0" err="1">
+                <a:latin typeface="Calibri" panose="020F0502020204030204" pitchFamily="34" charset="0"/>
+                <a:ea typeface="Calibri" panose="020F0502020204030204" pitchFamily="34" charset="0"/>
+                <a:cs typeface="Calibri" panose="020F0502020204030204" pitchFamily="34" charset="0"/>
+              </a:rPr>
+              <a:t>InterruptedException</a:t>
+            </a:r>
+            <a:r>
+              <a:rPr lang="en-IN" sz="2400" b="1" dirty="0">
+                <a:latin typeface="Calibri" panose="020F0502020204030204" pitchFamily="34" charset="0"/>
+                <a:ea typeface="Calibri" panose="020F0502020204030204" pitchFamily="34" charset="0"/>
+                <a:cs typeface="Calibri" panose="020F0502020204030204" pitchFamily="34" charset="0"/>
+              </a:rPr>
+              <a:t> {</a:t>
+            </a:r>
+          </a:p>
+          <a:p>
+            <a:pPr marL="0" indent="0">
+              <a:buNone/>
+            </a:pPr>
+            <a:r>
+              <a:rPr lang="en-IN" sz="2400" b="1" dirty="0">
+                <a:latin typeface="Calibri" panose="020F0502020204030204" pitchFamily="34" charset="0"/>
+                <a:ea typeface="Calibri" panose="020F0502020204030204" pitchFamily="34" charset="0"/>
+                <a:cs typeface="Calibri" panose="020F0502020204030204" pitchFamily="34" charset="0"/>
+              </a:rPr>
+              <a:t>String line = </a:t>
+            </a:r>
+            <a:r>
+              <a:rPr lang="en-IN" sz="2400" b="1" dirty="0" err="1">
+                <a:latin typeface="Calibri" panose="020F0502020204030204" pitchFamily="34" charset="0"/>
+                <a:ea typeface="Calibri" panose="020F0502020204030204" pitchFamily="34" charset="0"/>
+                <a:cs typeface="Calibri" panose="020F0502020204030204" pitchFamily="34" charset="0"/>
+              </a:rPr>
+              <a:t>value.toString</a:t>
+            </a:r>
+            <a:r>
+              <a:rPr lang="en-IN" sz="2400" b="1" dirty="0">
+                <a:latin typeface="Calibri" panose="020F0502020204030204" pitchFamily="34" charset="0"/>
+                <a:ea typeface="Calibri" panose="020F0502020204030204" pitchFamily="34" charset="0"/>
+                <a:cs typeface="Calibri" panose="020F0502020204030204" pitchFamily="34" charset="0"/>
+              </a:rPr>
+              <a:t>();       </a:t>
+            </a:r>
+          </a:p>
+          <a:p>
+            <a:pPr marL="0" indent="0">
+              <a:buNone/>
+            </a:pPr>
+            <a:r>
+              <a:rPr lang="en-IN" sz="2400" b="1" dirty="0">
+                <a:latin typeface="Calibri" panose="020F0502020204030204" pitchFamily="34" charset="0"/>
+                <a:ea typeface="Calibri" panose="020F0502020204030204" pitchFamily="34" charset="0"/>
+                <a:cs typeface="Calibri" panose="020F0502020204030204" pitchFamily="34" charset="0"/>
+              </a:rPr>
+              <a:t> String[] words = </a:t>
+            </a:r>
+            <a:r>
+              <a:rPr lang="en-IN" sz="2400" b="1" dirty="0" err="1">
+                <a:latin typeface="Calibri" panose="020F0502020204030204" pitchFamily="34" charset="0"/>
+                <a:ea typeface="Calibri" panose="020F0502020204030204" pitchFamily="34" charset="0"/>
+                <a:cs typeface="Calibri" panose="020F0502020204030204" pitchFamily="34" charset="0"/>
+              </a:rPr>
+              <a:t>line.split</a:t>
+            </a:r>
+            <a:r>
+              <a:rPr lang="en-IN" sz="2400" b="1" dirty="0">
+                <a:latin typeface="Calibri" panose="020F0502020204030204" pitchFamily="34" charset="0"/>
+                <a:ea typeface="Calibri" panose="020F0502020204030204" pitchFamily="34" charset="0"/>
+                <a:cs typeface="Calibri" panose="020F0502020204030204" pitchFamily="34" charset="0"/>
+              </a:rPr>
+              <a:t>(" ");       </a:t>
+            </a:r>
+          </a:p>
+          <a:p>
+            <a:pPr marL="0" indent="0">
+              <a:buNone/>
+            </a:pPr>
+            <a:r>
+              <a:rPr lang="en-IN" sz="2400" b="1" dirty="0">
+                <a:latin typeface="Calibri" panose="020F0502020204030204" pitchFamily="34" charset="0"/>
+                <a:ea typeface="Calibri" panose="020F0502020204030204" pitchFamily="34" charset="0"/>
+                <a:cs typeface="Calibri" panose="020F0502020204030204" pitchFamily="34" charset="0"/>
+              </a:rPr>
+              <a:t> for (String word : words) {            </a:t>
+            </a:r>
+          </a:p>
+          <a:p>
+            <a:pPr marL="0" indent="0">
+              <a:buNone/>
+            </a:pPr>
+            <a:r>
+              <a:rPr lang="en-IN" sz="2400" b="1" dirty="0" err="1">
+                <a:latin typeface="Calibri" panose="020F0502020204030204" pitchFamily="34" charset="0"/>
+                <a:ea typeface="Calibri" panose="020F0502020204030204" pitchFamily="34" charset="0"/>
+                <a:cs typeface="Calibri" panose="020F0502020204030204" pitchFamily="34" charset="0"/>
+              </a:rPr>
+              <a:t>context.write</a:t>
+            </a:r>
+            <a:r>
+              <a:rPr lang="en-IN" sz="2400" b="1" dirty="0">
+                <a:latin typeface="Calibri" panose="020F0502020204030204" pitchFamily="34" charset="0"/>
+                <a:ea typeface="Calibri" panose="020F0502020204030204" pitchFamily="34" charset="0"/>
+                <a:cs typeface="Calibri" panose="020F0502020204030204" pitchFamily="34" charset="0"/>
+              </a:rPr>
+              <a:t>(new Text(word), new </a:t>
+            </a:r>
+            <a:r>
+              <a:rPr lang="en-IN" sz="2400" b="1" dirty="0" err="1">
+                <a:latin typeface="Calibri" panose="020F0502020204030204" pitchFamily="34" charset="0"/>
+                <a:ea typeface="Calibri" panose="020F0502020204030204" pitchFamily="34" charset="0"/>
+                <a:cs typeface="Calibri" panose="020F0502020204030204" pitchFamily="34" charset="0"/>
+              </a:rPr>
+              <a:t>IntWritable</a:t>
+            </a:r>
+            <a:r>
+              <a:rPr lang="en-IN" sz="2400" b="1" dirty="0">
+                <a:latin typeface="Calibri" panose="020F0502020204030204" pitchFamily="34" charset="0"/>
+                <a:ea typeface="Calibri" panose="020F0502020204030204" pitchFamily="34" charset="0"/>
+                <a:cs typeface="Calibri" panose="020F0502020204030204" pitchFamily="34" charset="0"/>
+              </a:rPr>
+              <a:t>(1));       </a:t>
+            </a:r>
+          </a:p>
+          <a:p>
+            <a:pPr marL="0" indent="0">
+              <a:buNone/>
+            </a:pPr>
+            <a:r>
+              <a:rPr lang="en-IN" sz="2400" b="1" dirty="0">
+                <a:latin typeface="Calibri" panose="020F0502020204030204" pitchFamily="34" charset="0"/>
+                <a:ea typeface="Calibri" panose="020F0502020204030204" pitchFamily="34" charset="0"/>
+                <a:cs typeface="Calibri" panose="020F0502020204030204" pitchFamily="34" charset="0"/>
+              </a:rPr>
+              <a:t> }  } }</a:t>
+            </a:r>
+          </a:p>
+        </p:txBody>
+      </p:sp>
+    </p:spTree>
+    <p:extLst>
+      <p:ext uri="{BB962C8B-B14F-4D97-AF65-F5344CB8AC3E}">
+        <p14:creationId xmlns:p14="http://schemas.microsoft.com/office/powerpoint/2010/main" val="1231662475"/>
+      </p:ext>
+    </p:extLst>
+  </p:cSld>
+  <p:clrMapOvr>
+    <a:masterClrMapping/>
+  </p:clrMapOvr>
+</p:sld>
+</file>
+
+<file path=ppt/slides/slide11.xml><?xml version="1.0" encoding="utf-8"?>
+<p:sld xmlns:a="http://schemas.openxmlformats.org/drawingml/2006/main" xmlns:r="http://schemas.openxmlformats.org/officeDocument/2006/relationships" xmlns:p="http://schemas.openxmlformats.org/presentationml/2006/main">
+  <p:cSld>
+    <p:spTree>
+      <p:nvGrpSpPr>
+        <p:cNvPr id="1" name=""/>
+        <p:cNvGrpSpPr/>
+        <p:nvPr/>
+      </p:nvGrpSpPr>
+      <p:grpSpPr>
+        <a:xfrm>
+          <a:off x="0" y="0"/>
+          <a:ext cx="0" cy="0"/>
+          <a:chOff x="0" y="0"/>
+          <a:chExt cx="0" cy="0"/>
+        </a:xfrm>
+      </p:grpSpPr>
+      <p:sp>
+        <p:nvSpPr>
+          <p:cNvPr id="2" name="Title 1">
+            <a:extLst>
+              <a:ext uri="{FF2B5EF4-FFF2-40B4-BE49-F238E27FC236}">
+                <a16:creationId xmlns:a16="http://schemas.microsoft.com/office/drawing/2014/main" id="{607F9857-925B-F653-1293-FE65E1B09025}"/>
+              </a:ext>
+            </a:extLst>
+          </p:cNvPr>
+          <p:cNvSpPr>
+            <a:spLocks noGrp="1"/>
+          </p:cNvSpPr>
+          <p:nvPr>
+            <p:ph type="title"/>
+          </p:nvPr>
+        </p:nvSpPr>
+        <p:spPr>
+          <a:xfrm>
+            <a:off x="2170138" y="299646"/>
+            <a:ext cx="8911687" cy="1280890"/>
+          </a:xfrm>
+        </p:spPr>
+        <p:txBody>
+          <a:bodyPr/>
+          <a:lstStyle/>
+          <a:p>
+            <a:r>
+              <a:rPr lang="en-US" dirty="0">
+                <a:latin typeface="Arial Black" panose="020B0A04020102020204" pitchFamily="34" charset="0"/>
+              </a:rPr>
+              <a:t>REDUCER CODE:</a:t>
+            </a:r>
+            <a:endParaRPr lang="en-IN" dirty="0">
+              <a:latin typeface="Arial Black" panose="020B0A04020102020204" pitchFamily="34" charset="0"/>
+            </a:endParaRPr>
+          </a:p>
+        </p:txBody>
+      </p:sp>
+      <p:sp>
+        <p:nvSpPr>
+          <p:cNvPr id="3" name="Content Placeholder 2">
+            <a:extLst>
+              <a:ext uri="{FF2B5EF4-FFF2-40B4-BE49-F238E27FC236}">
+                <a16:creationId xmlns:a16="http://schemas.microsoft.com/office/drawing/2014/main" id="{44CE38B1-4187-A134-1D96-6D992CC8C517}"/>
+              </a:ext>
+            </a:extLst>
+          </p:cNvPr>
+          <p:cNvSpPr>
+            <a:spLocks noGrp="1"/>
+          </p:cNvSpPr>
+          <p:nvPr>
+            <p:ph idx="1"/>
+          </p:nvPr>
+        </p:nvSpPr>
+        <p:spPr>
+          <a:xfrm>
+            <a:off x="1920619" y="1854490"/>
+            <a:ext cx="8915400" cy="3777622"/>
+          </a:xfrm>
+        </p:spPr>
+        <p:txBody>
+          <a:bodyPr>
+            <a:noAutofit/>
+          </a:bodyPr>
+          <a:lstStyle/>
+          <a:p>
+            <a:pPr marL="0" indent="0">
+              <a:lnSpc>
+                <a:spcPct val="150000"/>
+              </a:lnSpc>
+              <a:buNone/>
+            </a:pPr>
+            <a:r>
+              <a:rPr lang="en-IN" sz="2400" dirty="0">
+                <a:latin typeface="Calibri" panose="020F0502020204030204" pitchFamily="34" charset="0"/>
+                <a:ea typeface="Calibri" panose="020F0502020204030204" pitchFamily="34" charset="0"/>
+                <a:cs typeface="Calibri" panose="020F0502020204030204" pitchFamily="34" charset="0"/>
+              </a:rPr>
+              <a:t>import </a:t>
+            </a:r>
+            <a:r>
+              <a:rPr lang="en-IN" sz="2400" dirty="0" err="1">
+                <a:latin typeface="Calibri" panose="020F0502020204030204" pitchFamily="34" charset="0"/>
+                <a:ea typeface="Calibri" panose="020F0502020204030204" pitchFamily="34" charset="0"/>
+                <a:cs typeface="Calibri" panose="020F0502020204030204" pitchFamily="34" charset="0"/>
+              </a:rPr>
+              <a:t>org.apache.hadoop.io.Text</a:t>
+            </a:r>
+            <a:r>
+              <a:rPr lang="en-IN" sz="2400" dirty="0">
+                <a:latin typeface="Calibri" panose="020F0502020204030204" pitchFamily="34" charset="0"/>
+                <a:ea typeface="Calibri" panose="020F0502020204030204" pitchFamily="34" charset="0"/>
+                <a:cs typeface="Calibri" panose="020F0502020204030204" pitchFamily="34" charset="0"/>
+              </a:rPr>
+              <a:t>;</a:t>
+            </a:r>
+          </a:p>
+          <a:p>
+            <a:pPr marL="0" indent="0">
+              <a:lnSpc>
+                <a:spcPct val="150000"/>
+              </a:lnSpc>
+              <a:buNone/>
+            </a:pPr>
+            <a:r>
+              <a:rPr lang="en-IN" sz="2400" dirty="0">
+                <a:latin typeface="Calibri" panose="020F0502020204030204" pitchFamily="34" charset="0"/>
+                <a:ea typeface="Calibri" panose="020F0502020204030204" pitchFamily="34" charset="0"/>
+                <a:cs typeface="Calibri" panose="020F0502020204030204" pitchFamily="34" charset="0"/>
+              </a:rPr>
+              <a:t>import </a:t>
+            </a:r>
+            <a:r>
+              <a:rPr lang="en-IN" sz="2400" dirty="0" err="1">
+                <a:latin typeface="Calibri" panose="020F0502020204030204" pitchFamily="34" charset="0"/>
+                <a:ea typeface="Calibri" panose="020F0502020204030204" pitchFamily="34" charset="0"/>
+                <a:cs typeface="Calibri" panose="020F0502020204030204" pitchFamily="34" charset="0"/>
+              </a:rPr>
+              <a:t>org.apache.hadoop.io.IntWritable</a:t>
+            </a:r>
+            <a:r>
+              <a:rPr lang="en-IN" sz="2400" dirty="0">
+                <a:latin typeface="Calibri" panose="020F0502020204030204" pitchFamily="34" charset="0"/>
+                <a:ea typeface="Calibri" panose="020F0502020204030204" pitchFamily="34" charset="0"/>
+                <a:cs typeface="Calibri" panose="020F0502020204030204" pitchFamily="34" charset="0"/>
+              </a:rPr>
+              <a:t>;</a:t>
+            </a:r>
+          </a:p>
+          <a:p>
+            <a:pPr marL="0" indent="0">
+              <a:lnSpc>
+                <a:spcPct val="150000"/>
+              </a:lnSpc>
+              <a:buNone/>
+            </a:pPr>
+            <a:r>
+              <a:rPr lang="en-IN" sz="2400" dirty="0">
+                <a:latin typeface="Calibri" panose="020F0502020204030204" pitchFamily="34" charset="0"/>
+                <a:ea typeface="Calibri" panose="020F0502020204030204" pitchFamily="34" charset="0"/>
+                <a:cs typeface="Calibri" panose="020F0502020204030204" pitchFamily="34" charset="0"/>
+              </a:rPr>
+              <a:t>import </a:t>
+            </a:r>
+            <a:r>
+              <a:rPr lang="en-IN" sz="2400" dirty="0" err="1">
+                <a:latin typeface="Calibri" panose="020F0502020204030204" pitchFamily="34" charset="0"/>
+                <a:ea typeface="Calibri" panose="020F0502020204030204" pitchFamily="34" charset="0"/>
+                <a:cs typeface="Calibri" panose="020F0502020204030204" pitchFamily="34" charset="0"/>
+              </a:rPr>
+              <a:t>org.apache.hadoop.mapreduce.Reducer</a:t>
+            </a:r>
+            <a:r>
+              <a:rPr lang="en-IN" sz="2400" dirty="0">
+                <a:latin typeface="Calibri" panose="020F0502020204030204" pitchFamily="34" charset="0"/>
+                <a:ea typeface="Calibri" panose="020F0502020204030204" pitchFamily="34" charset="0"/>
+                <a:cs typeface="Calibri" panose="020F0502020204030204" pitchFamily="34" charset="0"/>
+              </a:rPr>
+              <a:t>;</a:t>
+            </a:r>
+          </a:p>
+          <a:p>
+            <a:pPr marL="0" indent="0">
+              <a:lnSpc>
+                <a:spcPct val="150000"/>
+              </a:lnSpc>
+              <a:buNone/>
+            </a:pPr>
+            <a:r>
+              <a:rPr lang="en-IN" sz="2400" dirty="0">
+                <a:latin typeface="Calibri" panose="020F0502020204030204" pitchFamily="34" charset="0"/>
+                <a:ea typeface="Calibri" panose="020F0502020204030204" pitchFamily="34" charset="0"/>
+                <a:cs typeface="Calibri" panose="020F0502020204030204" pitchFamily="34" charset="0"/>
+              </a:rPr>
+              <a:t>public class </a:t>
+            </a:r>
+            <a:r>
+              <a:rPr lang="en-IN" sz="2400" dirty="0" err="1">
+                <a:latin typeface="Calibri" panose="020F0502020204030204" pitchFamily="34" charset="0"/>
+                <a:ea typeface="Calibri" panose="020F0502020204030204" pitchFamily="34" charset="0"/>
+                <a:cs typeface="Calibri" panose="020F0502020204030204" pitchFamily="34" charset="0"/>
+              </a:rPr>
+              <a:t>MyReducer</a:t>
+            </a:r>
+            <a:r>
+              <a:rPr lang="en-IN" sz="2400" dirty="0">
+                <a:latin typeface="Calibri" panose="020F0502020204030204" pitchFamily="34" charset="0"/>
+                <a:ea typeface="Calibri" panose="020F0502020204030204" pitchFamily="34" charset="0"/>
+                <a:cs typeface="Calibri" panose="020F0502020204030204" pitchFamily="34" charset="0"/>
+              </a:rPr>
+              <a:t> extends Reducer&lt;Text, </a:t>
+            </a:r>
+            <a:r>
+              <a:rPr lang="en-IN" sz="2400" dirty="0" err="1">
+                <a:latin typeface="Calibri" panose="020F0502020204030204" pitchFamily="34" charset="0"/>
+                <a:ea typeface="Calibri" panose="020F0502020204030204" pitchFamily="34" charset="0"/>
+                <a:cs typeface="Calibri" panose="020F0502020204030204" pitchFamily="34" charset="0"/>
+              </a:rPr>
+              <a:t>IntWritable</a:t>
+            </a:r>
+            <a:r>
+              <a:rPr lang="en-IN" sz="2400" dirty="0">
+                <a:latin typeface="Calibri" panose="020F0502020204030204" pitchFamily="34" charset="0"/>
+                <a:ea typeface="Calibri" panose="020F0502020204030204" pitchFamily="34" charset="0"/>
+                <a:cs typeface="Calibri" panose="020F0502020204030204" pitchFamily="34" charset="0"/>
+              </a:rPr>
+              <a:t>, Text, </a:t>
+            </a:r>
+            <a:r>
+              <a:rPr lang="en-IN" sz="2400" dirty="0" err="1">
+                <a:latin typeface="Calibri" panose="020F0502020204030204" pitchFamily="34" charset="0"/>
+                <a:ea typeface="Calibri" panose="020F0502020204030204" pitchFamily="34" charset="0"/>
+                <a:cs typeface="Calibri" panose="020F0502020204030204" pitchFamily="34" charset="0"/>
+              </a:rPr>
+              <a:t>IntWritable</a:t>
+            </a:r>
+            <a:r>
+              <a:rPr lang="en-IN" sz="2400" dirty="0">
+                <a:latin typeface="Calibri" panose="020F0502020204030204" pitchFamily="34" charset="0"/>
+                <a:ea typeface="Calibri" panose="020F0502020204030204" pitchFamily="34" charset="0"/>
+                <a:cs typeface="Calibri" panose="020F0502020204030204" pitchFamily="34" charset="0"/>
+              </a:rPr>
+              <a:t>&gt;</a:t>
+            </a:r>
+          </a:p>
+          <a:p>
+            <a:pPr marL="0" indent="0">
+              <a:lnSpc>
+                <a:spcPct val="150000"/>
+              </a:lnSpc>
+              <a:buNone/>
+            </a:pPr>
+            <a:r>
+              <a:rPr lang="en-IN" sz="2400" dirty="0">
+                <a:latin typeface="Calibri" panose="020F0502020204030204" pitchFamily="34" charset="0"/>
+                <a:ea typeface="Calibri" panose="020F0502020204030204" pitchFamily="34" charset="0"/>
+                <a:cs typeface="Calibri" panose="020F0502020204030204" pitchFamily="34" charset="0"/>
+              </a:rPr>
+              <a:t> {   </a:t>
+            </a:r>
+          </a:p>
+          <a:p>
+            <a:pPr marL="0" indent="0">
+              <a:buNone/>
+            </a:pPr>
+            <a:r>
+              <a:rPr lang="en-IN" sz="2400" dirty="0">
+                <a:latin typeface="Calibri" panose="020F0502020204030204" pitchFamily="34" charset="0"/>
+                <a:ea typeface="Calibri" panose="020F0502020204030204" pitchFamily="34" charset="0"/>
+                <a:cs typeface="Calibri" panose="020F0502020204030204" pitchFamily="34" charset="0"/>
+              </a:rPr>
+              <a:t> </a:t>
+            </a:r>
+          </a:p>
+        </p:txBody>
+      </p:sp>
+    </p:spTree>
+    <p:extLst>
+      <p:ext uri="{BB962C8B-B14F-4D97-AF65-F5344CB8AC3E}">
+        <p14:creationId xmlns:p14="http://schemas.microsoft.com/office/powerpoint/2010/main" val="3888502769"/>
+      </p:ext>
+    </p:extLst>
+  </p:cSld>
+  <p:clrMapOvr>
+    <a:masterClrMapping/>
+  </p:clrMapOvr>
+</p:sld>
+</file>
+
+<file path=ppt/slides/slide12.xml><?xml version="1.0" encoding="utf-8"?>
+<p:sld xmlns:a="http://schemas.openxmlformats.org/drawingml/2006/main" xmlns:r="http://schemas.openxmlformats.org/officeDocument/2006/relationships" xmlns:p="http://schemas.openxmlformats.org/presentationml/2006/main">
+  <p:cSld>
+    <p:spTree>
+      <p:nvGrpSpPr>
+        <p:cNvPr id="1" name=""/>
+        <p:cNvGrpSpPr/>
+        <p:nvPr/>
+      </p:nvGrpSpPr>
+      <p:grpSpPr>
+        <a:xfrm>
+          <a:off x="0" y="0"/>
+          <a:ext cx="0" cy="0"/>
+          <a:chOff x="0" y="0"/>
+          <a:chExt cx="0" cy="0"/>
+        </a:xfrm>
+      </p:grpSpPr>
+      <p:sp>
+        <p:nvSpPr>
+          <p:cNvPr id="3" name="Content Placeholder 2">
+            <a:extLst>
+              <a:ext uri="{FF2B5EF4-FFF2-40B4-BE49-F238E27FC236}">
+                <a16:creationId xmlns:a16="http://schemas.microsoft.com/office/drawing/2014/main" id="{744FBE59-B263-94DC-0A3D-40E1CDD539D2}"/>
+              </a:ext>
+            </a:extLst>
+          </p:cNvPr>
+          <p:cNvSpPr>
+            <a:spLocks noGrp="1"/>
+          </p:cNvSpPr>
+          <p:nvPr>
+            <p:ph idx="1"/>
+          </p:nvPr>
+        </p:nvSpPr>
+        <p:spPr>
+          <a:xfrm>
+            <a:off x="1959948" y="753276"/>
+            <a:ext cx="8915400" cy="5047755"/>
+          </a:xfrm>
+        </p:spPr>
+        <p:txBody>
+          <a:bodyPr>
+            <a:normAutofit fontScale="55000" lnSpcReduction="20000"/>
+          </a:bodyPr>
+          <a:lstStyle/>
+          <a:p>
+            <a:pPr marL="0" indent="0">
+              <a:lnSpc>
+                <a:spcPct val="150000"/>
+              </a:lnSpc>
+              <a:buNone/>
+            </a:pPr>
+            <a:r>
+              <a:rPr lang="en-IN" sz="4400" dirty="0">
+                <a:latin typeface="Calibri" panose="020F0502020204030204" pitchFamily="34" charset="0"/>
+                <a:ea typeface="Calibri" panose="020F0502020204030204" pitchFamily="34" charset="0"/>
+                <a:cs typeface="Calibri" panose="020F0502020204030204" pitchFamily="34" charset="0"/>
+              </a:rPr>
+              <a:t>public void reduce(Text key, </a:t>
+            </a:r>
+            <a:r>
+              <a:rPr lang="en-IN" sz="4400" dirty="0" err="1">
+                <a:latin typeface="Calibri" panose="020F0502020204030204" pitchFamily="34" charset="0"/>
+                <a:ea typeface="Calibri" panose="020F0502020204030204" pitchFamily="34" charset="0"/>
+                <a:cs typeface="Calibri" panose="020F0502020204030204" pitchFamily="34" charset="0"/>
+              </a:rPr>
+              <a:t>Iterable</a:t>
+            </a:r>
+            <a:r>
+              <a:rPr lang="en-IN" sz="4400" dirty="0">
+                <a:latin typeface="Calibri" panose="020F0502020204030204" pitchFamily="34" charset="0"/>
+                <a:ea typeface="Calibri" panose="020F0502020204030204" pitchFamily="34" charset="0"/>
+                <a:cs typeface="Calibri" panose="020F0502020204030204" pitchFamily="34" charset="0"/>
+              </a:rPr>
+              <a:t>&lt;</a:t>
+            </a:r>
+            <a:r>
+              <a:rPr lang="en-IN" sz="4400" dirty="0" err="1">
+                <a:latin typeface="Calibri" panose="020F0502020204030204" pitchFamily="34" charset="0"/>
+                <a:ea typeface="Calibri" panose="020F0502020204030204" pitchFamily="34" charset="0"/>
+                <a:cs typeface="Calibri" panose="020F0502020204030204" pitchFamily="34" charset="0"/>
+              </a:rPr>
+              <a:t>IntWritable</a:t>
+            </a:r>
+            <a:r>
+              <a:rPr lang="en-IN" sz="4400" dirty="0">
+                <a:latin typeface="Calibri" panose="020F0502020204030204" pitchFamily="34" charset="0"/>
+                <a:ea typeface="Calibri" panose="020F0502020204030204" pitchFamily="34" charset="0"/>
+                <a:cs typeface="Calibri" panose="020F0502020204030204" pitchFamily="34" charset="0"/>
+              </a:rPr>
+              <a:t>&gt; values, Context context) throws </a:t>
+            </a:r>
+            <a:r>
+              <a:rPr lang="en-IN" sz="4400" dirty="0" err="1">
+                <a:latin typeface="Calibri" panose="020F0502020204030204" pitchFamily="34" charset="0"/>
+                <a:ea typeface="Calibri" panose="020F0502020204030204" pitchFamily="34" charset="0"/>
+                <a:cs typeface="Calibri" panose="020F0502020204030204" pitchFamily="34" charset="0"/>
+              </a:rPr>
+              <a:t>IOException</a:t>
+            </a:r>
+            <a:r>
+              <a:rPr lang="en-IN" sz="4400" dirty="0">
+                <a:latin typeface="Calibri" panose="020F0502020204030204" pitchFamily="34" charset="0"/>
+                <a:ea typeface="Calibri" panose="020F0502020204030204" pitchFamily="34" charset="0"/>
+                <a:cs typeface="Calibri" panose="020F0502020204030204" pitchFamily="34" charset="0"/>
+              </a:rPr>
+              <a:t>, </a:t>
+            </a:r>
+            <a:r>
+              <a:rPr lang="en-IN" sz="4400" dirty="0" err="1">
+                <a:latin typeface="Calibri" panose="020F0502020204030204" pitchFamily="34" charset="0"/>
+                <a:ea typeface="Calibri" panose="020F0502020204030204" pitchFamily="34" charset="0"/>
+                <a:cs typeface="Calibri" panose="020F0502020204030204" pitchFamily="34" charset="0"/>
+              </a:rPr>
+              <a:t>InterruptedException</a:t>
+            </a:r>
+            <a:r>
+              <a:rPr lang="en-IN" sz="4400" dirty="0">
+                <a:latin typeface="Calibri" panose="020F0502020204030204" pitchFamily="34" charset="0"/>
+                <a:ea typeface="Calibri" panose="020F0502020204030204" pitchFamily="34" charset="0"/>
+                <a:cs typeface="Calibri" panose="020F0502020204030204" pitchFamily="34" charset="0"/>
+              </a:rPr>
+              <a:t> {     </a:t>
+            </a:r>
+          </a:p>
+          <a:p>
+            <a:pPr marL="0" indent="0">
+              <a:lnSpc>
+                <a:spcPct val="150000"/>
+              </a:lnSpc>
+              <a:buNone/>
+            </a:pPr>
+            <a:r>
+              <a:rPr lang="en-IN" sz="4400" dirty="0">
+                <a:latin typeface="Calibri" panose="020F0502020204030204" pitchFamily="34" charset="0"/>
+                <a:ea typeface="Calibri" panose="020F0502020204030204" pitchFamily="34" charset="0"/>
+                <a:cs typeface="Calibri" panose="020F0502020204030204" pitchFamily="34" charset="0"/>
+              </a:rPr>
+              <a:t>   // Your reduce function logic here        </a:t>
+            </a:r>
+          </a:p>
+          <a:p>
+            <a:pPr marL="0" indent="0">
+              <a:lnSpc>
+                <a:spcPct val="150000"/>
+              </a:lnSpc>
+              <a:buNone/>
+            </a:pPr>
+            <a:r>
+              <a:rPr lang="en-IN" sz="4400" dirty="0">
+                <a:latin typeface="Calibri" panose="020F0502020204030204" pitchFamily="34" charset="0"/>
+                <a:ea typeface="Calibri" panose="020F0502020204030204" pitchFamily="34" charset="0"/>
+                <a:cs typeface="Calibri" panose="020F0502020204030204" pitchFamily="34" charset="0"/>
+              </a:rPr>
+              <a:t>int sum = 0;       </a:t>
+            </a:r>
+          </a:p>
+          <a:p>
+            <a:pPr marL="0" indent="0">
+              <a:lnSpc>
+                <a:spcPct val="150000"/>
+              </a:lnSpc>
+              <a:buNone/>
+            </a:pPr>
+            <a:r>
+              <a:rPr lang="en-IN" sz="4400" dirty="0">
+                <a:latin typeface="Calibri" panose="020F0502020204030204" pitchFamily="34" charset="0"/>
+                <a:ea typeface="Calibri" panose="020F0502020204030204" pitchFamily="34" charset="0"/>
+                <a:cs typeface="Calibri" panose="020F0502020204030204" pitchFamily="34" charset="0"/>
+              </a:rPr>
+              <a:t> for (</a:t>
+            </a:r>
+            <a:r>
+              <a:rPr lang="en-IN" sz="4400" dirty="0" err="1">
+                <a:latin typeface="Calibri" panose="020F0502020204030204" pitchFamily="34" charset="0"/>
+                <a:ea typeface="Calibri" panose="020F0502020204030204" pitchFamily="34" charset="0"/>
+                <a:cs typeface="Calibri" panose="020F0502020204030204" pitchFamily="34" charset="0"/>
+              </a:rPr>
+              <a:t>IntWritable</a:t>
+            </a:r>
+            <a:r>
+              <a:rPr lang="en-IN" sz="4400" dirty="0">
+                <a:latin typeface="Calibri" panose="020F0502020204030204" pitchFamily="34" charset="0"/>
+                <a:ea typeface="Calibri" panose="020F0502020204030204" pitchFamily="34" charset="0"/>
+                <a:cs typeface="Calibri" panose="020F0502020204030204" pitchFamily="34" charset="0"/>
+              </a:rPr>
+              <a:t> value : values) {            </a:t>
+            </a:r>
+          </a:p>
+          <a:p>
+            <a:pPr marL="0" indent="0">
+              <a:lnSpc>
+                <a:spcPct val="150000"/>
+              </a:lnSpc>
+              <a:buNone/>
+            </a:pPr>
+            <a:r>
+              <a:rPr lang="en-IN" sz="4400" dirty="0">
+                <a:latin typeface="Calibri" panose="020F0502020204030204" pitchFamily="34" charset="0"/>
+                <a:ea typeface="Calibri" panose="020F0502020204030204" pitchFamily="34" charset="0"/>
+                <a:cs typeface="Calibri" panose="020F0502020204030204" pitchFamily="34" charset="0"/>
+              </a:rPr>
+              <a:t>sum += </a:t>
+            </a:r>
+            <a:r>
+              <a:rPr lang="en-IN" sz="4400" dirty="0" err="1">
+                <a:latin typeface="Calibri" panose="020F0502020204030204" pitchFamily="34" charset="0"/>
+                <a:ea typeface="Calibri" panose="020F0502020204030204" pitchFamily="34" charset="0"/>
+                <a:cs typeface="Calibri" panose="020F0502020204030204" pitchFamily="34" charset="0"/>
+              </a:rPr>
+              <a:t>value.get</a:t>
+            </a:r>
+            <a:r>
+              <a:rPr lang="en-IN" sz="4400" dirty="0">
+                <a:latin typeface="Calibri" panose="020F0502020204030204" pitchFamily="34" charset="0"/>
+                <a:ea typeface="Calibri" panose="020F0502020204030204" pitchFamily="34" charset="0"/>
+                <a:cs typeface="Calibri" panose="020F0502020204030204" pitchFamily="34" charset="0"/>
+              </a:rPr>
+              <a:t>();        }      </a:t>
+            </a:r>
+          </a:p>
+          <a:p>
+            <a:pPr marL="0" indent="0">
+              <a:lnSpc>
+                <a:spcPct val="150000"/>
+              </a:lnSpc>
+              <a:buNone/>
+            </a:pPr>
+            <a:r>
+              <a:rPr lang="en-IN" sz="4400" dirty="0">
+                <a:latin typeface="Calibri" panose="020F0502020204030204" pitchFamily="34" charset="0"/>
+                <a:ea typeface="Calibri" panose="020F0502020204030204" pitchFamily="34" charset="0"/>
+                <a:cs typeface="Calibri" panose="020F0502020204030204" pitchFamily="34" charset="0"/>
+              </a:rPr>
+              <a:t>  </a:t>
+            </a:r>
+            <a:r>
+              <a:rPr lang="en-IN" sz="4400" dirty="0" err="1">
+                <a:latin typeface="Calibri" panose="020F0502020204030204" pitchFamily="34" charset="0"/>
+                <a:ea typeface="Calibri" panose="020F0502020204030204" pitchFamily="34" charset="0"/>
+                <a:cs typeface="Calibri" panose="020F0502020204030204" pitchFamily="34" charset="0"/>
+              </a:rPr>
+              <a:t>context.write</a:t>
+            </a:r>
+            <a:r>
+              <a:rPr lang="en-IN" sz="4400" dirty="0">
+                <a:latin typeface="Calibri" panose="020F0502020204030204" pitchFamily="34" charset="0"/>
+                <a:ea typeface="Calibri" panose="020F0502020204030204" pitchFamily="34" charset="0"/>
+                <a:cs typeface="Calibri" panose="020F0502020204030204" pitchFamily="34" charset="0"/>
+              </a:rPr>
+              <a:t>(key, new </a:t>
+            </a:r>
+            <a:r>
+              <a:rPr lang="en-IN" sz="4400" dirty="0" err="1">
+                <a:latin typeface="Calibri" panose="020F0502020204030204" pitchFamily="34" charset="0"/>
+                <a:ea typeface="Calibri" panose="020F0502020204030204" pitchFamily="34" charset="0"/>
+                <a:cs typeface="Calibri" panose="020F0502020204030204" pitchFamily="34" charset="0"/>
+              </a:rPr>
+              <a:t>IntWritable</a:t>
+            </a:r>
+            <a:r>
+              <a:rPr lang="en-IN" sz="4400" dirty="0">
+                <a:latin typeface="Calibri" panose="020F0502020204030204" pitchFamily="34" charset="0"/>
+                <a:ea typeface="Calibri" panose="020F0502020204030204" pitchFamily="34" charset="0"/>
+                <a:cs typeface="Calibri" panose="020F0502020204030204" pitchFamily="34" charset="0"/>
+              </a:rPr>
+              <a:t>(sum));   </a:t>
+            </a:r>
+          </a:p>
+          <a:p>
+            <a:pPr marL="0" indent="0">
+              <a:lnSpc>
+                <a:spcPct val="150000"/>
+              </a:lnSpc>
+              <a:buNone/>
+            </a:pPr>
+            <a:r>
+              <a:rPr lang="en-IN" sz="4400" dirty="0">
+                <a:latin typeface="Calibri" panose="020F0502020204030204" pitchFamily="34" charset="0"/>
+                <a:ea typeface="Calibri" panose="020F0502020204030204" pitchFamily="34" charset="0"/>
+                <a:cs typeface="Calibri" panose="020F0502020204030204" pitchFamily="34" charset="0"/>
+              </a:rPr>
+              <a:t> }}</a:t>
+            </a:r>
+          </a:p>
+          <a:p>
+            <a:endParaRPr lang="en-IN" dirty="0"/>
+          </a:p>
+        </p:txBody>
+      </p:sp>
+    </p:spTree>
+    <p:extLst>
+      <p:ext uri="{BB962C8B-B14F-4D97-AF65-F5344CB8AC3E}">
+        <p14:creationId xmlns:p14="http://schemas.microsoft.com/office/powerpoint/2010/main" val="570425875"/>
+      </p:ext>
+    </p:extLst>
+  </p:cSld>
+  <p:clrMapOvr>
+    <a:masterClrMapping/>
+  </p:clrMapOvr>
+</p:sld>
+</file>
+
+<file path=ppt/slides/slide13.xml><?xml version="1.0" encoding="utf-8"?>
+<p:sld xmlns:a="http://schemas.openxmlformats.org/drawingml/2006/main" xmlns:r="http://schemas.openxmlformats.org/officeDocument/2006/relationships" xmlns:p="http://schemas.openxmlformats.org/presentationml/2006/main">
+  <p:cSld>
+    <p:spTree>
+      <p:nvGrpSpPr>
+        <p:cNvPr id="1" name=""/>
+        <p:cNvGrpSpPr/>
+        <p:nvPr/>
+      </p:nvGrpSpPr>
+      <p:grpSpPr>
+        <a:xfrm>
+          <a:off x="0" y="0"/>
+          <a:ext cx="0" cy="0"/>
+          <a:chOff x="0" y="0"/>
+          <a:chExt cx="0" cy="0"/>
+        </a:xfrm>
+      </p:grpSpPr>
+      <p:sp>
+        <p:nvSpPr>
+          <p:cNvPr id="2" name="Title 1">
+            <a:extLst>
+              <a:ext uri="{FF2B5EF4-FFF2-40B4-BE49-F238E27FC236}">
+                <a16:creationId xmlns:a16="http://schemas.microsoft.com/office/drawing/2014/main" id="{C9314C21-DE14-85E1-770F-E3823222C77E}"/>
+              </a:ext>
+            </a:extLst>
+          </p:cNvPr>
+          <p:cNvSpPr>
+            <a:spLocks noGrp="1"/>
+          </p:cNvSpPr>
+          <p:nvPr>
+            <p:ph type="title"/>
+          </p:nvPr>
+        </p:nvSpPr>
+        <p:spPr>
+          <a:xfrm>
+            <a:off x="2150474" y="211154"/>
+            <a:ext cx="8911687" cy="1280890"/>
+          </a:xfrm>
+        </p:spPr>
+        <p:txBody>
+          <a:bodyPr/>
+          <a:lstStyle/>
+          <a:p>
+            <a:r>
+              <a:rPr lang="en-US" dirty="0">
+                <a:latin typeface="Arial Black" panose="020B0A04020102020204" pitchFamily="34" charset="0"/>
+              </a:rPr>
+              <a:t>DIVIDER CODE:</a:t>
+            </a:r>
+            <a:endParaRPr lang="en-IN" dirty="0">
+              <a:latin typeface="Arial Black" panose="020B0A04020102020204" pitchFamily="34" charset="0"/>
+            </a:endParaRPr>
+          </a:p>
+        </p:txBody>
+      </p:sp>
+      <p:sp>
+        <p:nvSpPr>
+          <p:cNvPr id="3" name="Content Placeholder 2">
+            <a:extLst>
+              <a:ext uri="{FF2B5EF4-FFF2-40B4-BE49-F238E27FC236}">
+                <a16:creationId xmlns:a16="http://schemas.microsoft.com/office/drawing/2014/main" id="{6863CC0D-6071-5352-2CBB-154784072084}"/>
+              </a:ext>
+            </a:extLst>
+          </p:cNvPr>
+          <p:cNvSpPr>
+            <a:spLocks noGrp="1"/>
+          </p:cNvSpPr>
+          <p:nvPr>
+            <p:ph idx="1"/>
+          </p:nvPr>
+        </p:nvSpPr>
+        <p:spPr>
+          <a:xfrm>
+            <a:off x="2058269" y="1088922"/>
+            <a:ext cx="8915400" cy="3777622"/>
+          </a:xfrm>
+        </p:spPr>
+        <p:txBody>
+          <a:bodyPr>
+            <a:noAutofit/>
+          </a:bodyPr>
+          <a:lstStyle/>
+          <a:p>
+            <a:pPr marL="0" indent="0">
+              <a:lnSpc>
+                <a:spcPct val="150000"/>
+              </a:lnSpc>
+              <a:buNone/>
+            </a:pPr>
+            <a:r>
+              <a:rPr lang="en-IN" sz="2400" dirty="0">
+                <a:latin typeface="Calibri" panose="020F0502020204030204" pitchFamily="34" charset="0"/>
+                <a:ea typeface="Calibri" panose="020F0502020204030204" pitchFamily="34" charset="0"/>
+                <a:cs typeface="Calibri" panose="020F0502020204030204" pitchFamily="34" charset="0"/>
+              </a:rPr>
+              <a:t>import </a:t>
+            </a:r>
+            <a:r>
+              <a:rPr lang="en-IN" sz="2400" dirty="0" err="1">
+                <a:latin typeface="Calibri" panose="020F0502020204030204" pitchFamily="34" charset="0"/>
+                <a:ea typeface="Calibri" panose="020F0502020204030204" pitchFamily="34" charset="0"/>
+                <a:cs typeface="Calibri" panose="020F0502020204030204" pitchFamily="34" charset="0"/>
+              </a:rPr>
+              <a:t>org.apache.hadoop.mapreduce.Job</a:t>
+            </a:r>
+            <a:r>
+              <a:rPr lang="en-IN" sz="2400" dirty="0">
+                <a:latin typeface="Calibri" panose="020F0502020204030204" pitchFamily="34" charset="0"/>
+                <a:ea typeface="Calibri" panose="020F0502020204030204" pitchFamily="34" charset="0"/>
+                <a:cs typeface="Calibri" panose="020F0502020204030204" pitchFamily="34" charset="0"/>
+              </a:rPr>
+              <a:t>;</a:t>
+            </a:r>
+          </a:p>
+          <a:p>
+            <a:pPr marL="0" indent="0">
+              <a:lnSpc>
+                <a:spcPct val="150000"/>
+              </a:lnSpc>
+              <a:buNone/>
+            </a:pPr>
+            <a:r>
+              <a:rPr lang="en-IN" sz="2400" dirty="0">
+                <a:latin typeface="Calibri" panose="020F0502020204030204" pitchFamily="34" charset="0"/>
+                <a:ea typeface="Calibri" panose="020F0502020204030204" pitchFamily="34" charset="0"/>
+                <a:cs typeface="Calibri" panose="020F0502020204030204" pitchFamily="34" charset="0"/>
+              </a:rPr>
+              <a:t>import </a:t>
+            </a:r>
+            <a:r>
+              <a:rPr lang="en-IN" sz="2400" dirty="0" err="1">
+                <a:latin typeface="Calibri" panose="020F0502020204030204" pitchFamily="34" charset="0"/>
+                <a:ea typeface="Calibri" panose="020F0502020204030204" pitchFamily="34" charset="0"/>
+                <a:cs typeface="Calibri" panose="020F0502020204030204" pitchFamily="34" charset="0"/>
+              </a:rPr>
+              <a:t>org.apache.hadoop.mapreduce.lib.input.FileInputFormat</a:t>
+            </a:r>
+            <a:r>
+              <a:rPr lang="en-IN" sz="2400" dirty="0">
+                <a:latin typeface="Calibri" panose="020F0502020204030204" pitchFamily="34" charset="0"/>
+                <a:ea typeface="Calibri" panose="020F0502020204030204" pitchFamily="34" charset="0"/>
+                <a:cs typeface="Calibri" panose="020F0502020204030204" pitchFamily="34" charset="0"/>
+              </a:rPr>
+              <a:t>; import </a:t>
+            </a:r>
+            <a:r>
+              <a:rPr lang="en-IN" sz="2400" dirty="0" err="1">
+                <a:latin typeface="Calibri" panose="020F0502020204030204" pitchFamily="34" charset="0"/>
+                <a:ea typeface="Calibri" panose="020F0502020204030204" pitchFamily="34" charset="0"/>
+                <a:cs typeface="Calibri" panose="020F0502020204030204" pitchFamily="34" charset="0"/>
+              </a:rPr>
+              <a:t>org.apache.hadoop.mapreduce.lib.output.FileOutputFormat</a:t>
+            </a:r>
+            <a:r>
+              <a:rPr lang="en-IN" sz="2400" dirty="0">
+                <a:latin typeface="Calibri" panose="020F0502020204030204" pitchFamily="34" charset="0"/>
+                <a:ea typeface="Calibri" panose="020F0502020204030204" pitchFamily="34" charset="0"/>
+                <a:cs typeface="Calibri" panose="020F0502020204030204" pitchFamily="34" charset="0"/>
+              </a:rPr>
+              <a:t>; public class </a:t>
+            </a:r>
+            <a:r>
+              <a:rPr lang="en-IN" sz="2400" dirty="0" err="1">
+                <a:latin typeface="Calibri" panose="020F0502020204030204" pitchFamily="34" charset="0"/>
+                <a:ea typeface="Calibri" panose="020F0502020204030204" pitchFamily="34" charset="0"/>
+                <a:cs typeface="Calibri" panose="020F0502020204030204" pitchFamily="34" charset="0"/>
+              </a:rPr>
+              <a:t>MyDriver</a:t>
+            </a:r>
+            <a:r>
+              <a:rPr lang="en-IN" sz="2400" dirty="0">
+                <a:latin typeface="Calibri" panose="020F0502020204030204" pitchFamily="34" charset="0"/>
+                <a:ea typeface="Calibri" panose="020F0502020204030204" pitchFamily="34" charset="0"/>
+                <a:cs typeface="Calibri" panose="020F0502020204030204" pitchFamily="34" charset="0"/>
+              </a:rPr>
+              <a:t> {   </a:t>
+            </a:r>
+          </a:p>
+          <a:p>
+            <a:pPr marL="0" indent="0">
+              <a:lnSpc>
+                <a:spcPct val="150000"/>
+              </a:lnSpc>
+              <a:buNone/>
+            </a:pPr>
+            <a:r>
+              <a:rPr lang="en-IN" sz="2400" dirty="0">
+                <a:latin typeface="Calibri" panose="020F0502020204030204" pitchFamily="34" charset="0"/>
+                <a:ea typeface="Calibri" panose="020F0502020204030204" pitchFamily="34" charset="0"/>
+                <a:cs typeface="Calibri" panose="020F0502020204030204" pitchFamily="34" charset="0"/>
+              </a:rPr>
+              <a:t> public static void main(String[] </a:t>
+            </a:r>
+            <a:r>
+              <a:rPr lang="en-IN" sz="2400" dirty="0" err="1">
+                <a:latin typeface="Calibri" panose="020F0502020204030204" pitchFamily="34" charset="0"/>
+                <a:ea typeface="Calibri" panose="020F0502020204030204" pitchFamily="34" charset="0"/>
+                <a:cs typeface="Calibri" panose="020F0502020204030204" pitchFamily="34" charset="0"/>
+              </a:rPr>
+              <a:t>args</a:t>
+            </a:r>
+            <a:r>
+              <a:rPr lang="en-IN" sz="2400" dirty="0">
+                <a:latin typeface="Calibri" panose="020F0502020204030204" pitchFamily="34" charset="0"/>
+                <a:ea typeface="Calibri" panose="020F0502020204030204" pitchFamily="34" charset="0"/>
+                <a:cs typeface="Calibri" panose="020F0502020204030204" pitchFamily="34" charset="0"/>
+              </a:rPr>
+              <a:t>) throws Exception {        </a:t>
+            </a:r>
+          </a:p>
+          <a:p>
+            <a:pPr marL="0" indent="0">
+              <a:lnSpc>
+                <a:spcPct val="150000"/>
+              </a:lnSpc>
+              <a:buNone/>
+            </a:pPr>
+            <a:r>
+              <a:rPr lang="en-IN" sz="2400" dirty="0">
+                <a:latin typeface="Calibri" panose="020F0502020204030204" pitchFamily="34" charset="0"/>
+                <a:ea typeface="Calibri" panose="020F0502020204030204" pitchFamily="34" charset="0"/>
+                <a:cs typeface="Calibri" panose="020F0502020204030204" pitchFamily="34" charset="0"/>
+              </a:rPr>
+              <a:t>Job </a:t>
+            </a:r>
+            <a:r>
+              <a:rPr lang="en-IN" sz="2400" dirty="0" err="1">
+                <a:latin typeface="Calibri" panose="020F0502020204030204" pitchFamily="34" charset="0"/>
+                <a:ea typeface="Calibri" panose="020F0502020204030204" pitchFamily="34" charset="0"/>
+                <a:cs typeface="Calibri" panose="020F0502020204030204" pitchFamily="34" charset="0"/>
+              </a:rPr>
+              <a:t>job</a:t>
+            </a:r>
+            <a:r>
+              <a:rPr lang="en-IN" sz="2400" dirty="0">
+                <a:latin typeface="Calibri" panose="020F0502020204030204" pitchFamily="34" charset="0"/>
+                <a:ea typeface="Calibri" panose="020F0502020204030204" pitchFamily="34" charset="0"/>
+                <a:cs typeface="Calibri" panose="020F0502020204030204" pitchFamily="34" charset="0"/>
+              </a:rPr>
+              <a:t> = </a:t>
+            </a:r>
+            <a:r>
+              <a:rPr lang="en-IN" sz="2400" dirty="0" err="1">
+                <a:latin typeface="Calibri" panose="020F0502020204030204" pitchFamily="34" charset="0"/>
+                <a:ea typeface="Calibri" panose="020F0502020204030204" pitchFamily="34" charset="0"/>
+                <a:cs typeface="Calibri" panose="020F0502020204030204" pitchFamily="34" charset="0"/>
+              </a:rPr>
+              <a:t>Job.getInstance</a:t>
+            </a:r>
+            <a:r>
+              <a:rPr lang="en-IN" sz="2400" dirty="0">
+                <a:latin typeface="Calibri" panose="020F0502020204030204" pitchFamily="34" charset="0"/>
+                <a:ea typeface="Calibri" panose="020F0502020204030204" pitchFamily="34" charset="0"/>
+                <a:cs typeface="Calibri" panose="020F0502020204030204" pitchFamily="34" charset="0"/>
+              </a:rPr>
+              <a:t>();       </a:t>
+            </a:r>
+          </a:p>
+          <a:p>
+            <a:pPr marL="0" indent="0">
+              <a:lnSpc>
+                <a:spcPct val="150000"/>
+              </a:lnSpc>
+              <a:buNone/>
+            </a:pPr>
+            <a:r>
+              <a:rPr lang="en-IN" sz="2400" dirty="0">
+                <a:latin typeface="Calibri" panose="020F0502020204030204" pitchFamily="34" charset="0"/>
+                <a:ea typeface="Calibri" panose="020F0502020204030204" pitchFamily="34" charset="0"/>
+                <a:cs typeface="Calibri" panose="020F0502020204030204" pitchFamily="34" charset="0"/>
+              </a:rPr>
+              <a:t> </a:t>
+            </a:r>
+            <a:r>
+              <a:rPr lang="en-IN" sz="2400" dirty="0" err="1">
+                <a:latin typeface="Calibri" panose="020F0502020204030204" pitchFamily="34" charset="0"/>
+                <a:ea typeface="Calibri" panose="020F0502020204030204" pitchFamily="34" charset="0"/>
+                <a:cs typeface="Calibri" panose="020F0502020204030204" pitchFamily="34" charset="0"/>
+              </a:rPr>
+              <a:t>job.setJarByClass</a:t>
+            </a:r>
+            <a:r>
+              <a:rPr lang="en-IN" sz="2400" dirty="0">
+                <a:latin typeface="Calibri" panose="020F0502020204030204" pitchFamily="34" charset="0"/>
+                <a:ea typeface="Calibri" panose="020F0502020204030204" pitchFamily="34" charset="0"/>
+                <a:cs typeface="Calibri" panose="020F0502020204030204" pitchFamily="34" charset="0"/>
+              </a:rPr>
+              <a:t>(</a:t>
+            </a:r>
+            <a:r>
+              <a:rPr lang="en-IN" sz="2400" dirty="0" err="1">
+                <a:latin typeface="Calibri" panose="020F0502020204030204" pitchFamily="34" charset="0"/>
+                <a:ea typeface="Calibri" panose="020F0502020204030204" pitchFamily="34" charset="0"/>
+                <a:cs typeface="Calibri" panose="020F0502020204030204" pitchFamily="34" charset="0"/>
+              </a:rPr>
+              <a:t>MyDriver.class</a:t>
+            </a:r>
+            <a:r>
+              <a:rPr lang="en-IN" sz="2400" dirty="0">
+                <a:latin typeface="Calibri" panose="020F0502020204030204" pitchFamily="34" charset="0"/>
+                <a:ea typeface="Calibri" panose="020F0502020204030204" pitchFamily="34" charset="0"/>
+                <a:cs typeface="Calibri" panose="020F0502020204030204" pitchFamily="34" charset="0"/>
+              </a:rPr>
+              <a:t>);        </a:t>
+            </a:r>
+          </a:p>
+        </p:txBody>
+      </p:sp>
+    </p:spTree>
+    <p:extLst>
+      <p:ext uri="{BB962C8B-B14F-4D97-AF65-F5344CB8AC3E}">
+        <p14:creationId xmlns:p14="http://schemas.microsoft.com/office/powerpoint/2010/main" val="819448532"/>
+      </p:ext>
+    </p:extLst>
+  </p:cSld>
+  <p:clrMapOvr>
+    <a:masterClrMapping/>
+  </p:clrMapOvr>
+</p:sld>
+</file>
+
+<file path=ppt/slides/slide14.xml><?xml version="1.0" encoding="utf-8"?>
+<p:sld xmlns:a="http://schemas.openxmlformats.org/drawingml/2006/main" xmlns:r="http://schemas.openxmlformats.org/officeDocument/2006/relationships" xmlns:p="http://schemas.openxmlformats.org/presentationml/2006/main">
+  <p:cSld>
+    <p:spTree>
+      <p:nvGrpSpPr>
+        <p:cNvPr id="1" name=""/>
+        <p:cNvGrpSpPr/>
+        <p:nvPr/>
+      </p:nvGrpSpPr>
+      <p:grpSpPr>
+        <a:xfrm>
+          <a:off x="0" y="0"/>
+          <a:ext cx="0" cy="0"/>
+          <a:chOff x="0" y="0"/>
+          <a:chExt cx="0" cy="0"/>
+        </a:xfrm>
+      </p:grpSpPr>
+      <p:sp>
+        <p:nvSpPr>
+          <p:cNvPr id="2" name="Title 1">
+            <a:extLst>
+              <a:ext uri="{FF2B5EF4-FFF2-40B4-BE49-F238E27FC236}">
+                <a16:creationId xmlns:a16="http://schemas.microsoft.com/office/drawing/2014/main" id="{1B8496B2-8C41-0152-34F9-93653AEA0D1F}"/>
+              </a:ext>
+            </a:extLst>
+          </p:cNvPr>
+          <p:cNvSpPr>
+            <a:spLocks noGrp="1"/>
+          </p:cNvSpPr>
+          <p:nvPr>
+            <p:ph type="title"/>
+          </p:nvPr>
+        </p:nvSpPr>
+        <p:spPr/>
+        <p:txBody>
+          <a:bodyPr/>
+          <a:lstStyle/>
+          <a:p>
+            <a:r>
+              <a:rPr lang="en-US" dirty="0">
+                <a:latin typeface="Arial Black" panose="020B0A04020102020204" pitchFamily="34" charset="0"/>
+              </a:rPr>
+              <a:t>Cont.</a:t>
+            </a:r>
+            <a:endParaRPr lang="en-IN" dirty="0">
+              <a:latin typeface="Arial Black" panose="020B0A04020102020204" pitchFamily="34" charset="0"/>
+            </a:endParaRPr>
+          </a:p>
+        </p:txBody>
+      </p:sp>
+      <p:sp>
+        <p:nvSpPr>
+          <p:cNvPr id="3" name="Content Placeholder 2">
+            <a:extLst>
+              <a:ext uri="{FF2B5EF4-FFF2-40B4-BE49-F238E27FC236}">
+                <a16:creationId xmlns:a16="http://schemas.microsoft.com/office/drawing/2014/main" id="{44493CF0-D5F0-3342-0F68-8F405D4374FD}"/>
+              </a:ext>
+            </a:extLst>
+          </p:cNvPr>
+          <p:cNvSpPr>
+            <a:spLocks noGrp="1"/>
+          </p:cNvSpPr>
+          <p:nvPr>
+            <p:ph idx="1"/>
+          </p:nvPr>
+        </p:nvSpPr>
+        <p:spPr>
+          <a:xfrm>
+            <a:off x="2363070" y="1339644"/>
+            <a:ext cx="8915400" cy="4375355"/>
+          </a:xfrm>
+        </p:spPr>
+        <p:txBody>
+          <a:bodyPr>
+            <a:normAutofit fontScale="92500" lnSpcReduction="20000"/>
+          </a:bodyPr>
+          <a:lstStyle/>
+          <a:p>
+            <a:pPr>
+              <a:lnSpc>
+                <a:spcPct val="150000"/>
+              </a:lnSpc>
+            </a:pPr>
+            <a:endParaRPr lang="en-IN" dirty="0"/>
+          </a:p>
+          <a:p>
+            <a:pPr marL="0" indent="0">
+              <a:lnSpc>
+                <a:spcPct val="150000"/>
+              </a:lnSpc>
+              <a:buNone/>
+            </a:pPr>
+            <a:r>
+              <a:rPr lang="en-IN" sz="2400" dirty="0" err="1">
+                <a:latin typeface="Calibri" panose="020F0502020204030204" pitchFamily="34" charset="0"/>
+                <a:ea typeface="Calibri" panose="020F0502020204030204" pitchFamily="34" charset="0"/>
+                <a:cs typeface="Calibri" panose="020F0502020204030204" pitchFamily="34" charset="0"/>
+              </a:rPr>
+              <a:t>job.setMapperClass</a:t>
+            </a:r>
+            <a:r>
+              <a:rPr lang="en-IN" sz="2400" dirty="0">
+                <a:latin typeface="Calibri" panose="020F0502020204030204" pitchFamily="34" charset="0"/>
+                <a:ea typeface="Calibri" panose="020F0502020204030204" pitchFamily="34" charset="0"/>
+                <a:cs typeface="Calibri" panose="020F0502020204030204" pitchFamily="34" charset="0"/>
+              </a:rPr>
+              <a:t>(</a:t>
+            </a:r>
+            <a:r>
+              <a:rPr lang="en-IN" sz="2400" dirty="0" err="1">
+                <a:latin typeface="Calibri" panose="020F0502020204030204" pitchFamily="34" charset="0"/>
+                <a:ea typeface="Calibri" panose="020F0502020204030204" pitchFamily="34" charset="0"/>
+                <a:cs typeface="Calibri" panose="020F0502020204030204" pitchFamily="34" charset="0"/>
+              </a:rPr>
+              <a:t>MyMapper.class</a:t>
+            </a:r>
+            <a:r>
+              <a:rPr lang="en-IN" sz="2400" dirty="0">
+                <a:latin typeface="Calibri" panose="020F0502020204030204" pitchFamily="34" charset="0"/>
+                <a:ea typeface="Calibri" panose="020F0502020204030204" pitchFamily="34" charset="0"/>
+                <a:cs typeface="Calibri" panose="020F0502020204030204" pitchFamily="34" charset="0"/>
+              </a:rPr>
+              <a:t>);        </a:t>
+            </a:r>
+            <a:r>
+              <a:rPr lang="en-IN" sz="2400" dirty="0" err="1">
+                <a:latin typeface="Calibri" panose="020F0502020204030204" pitchFamily="34" charset="0"/>
+                <a:ea typeface="Calibri" panose="020F0502020204030204" pitchFamily="34" charset="0"/>
+                <a:cs typeface="Calibri" panose="020F0502020204030204" pitchFamily="34" charset="0"/>
+              </a:rPr>
+              <a:t>job.setReducerClass</a:t>
+            </a:r>
+            <a:r>
+              <a:rPr lang="en-IN" sz="2400" dirty="0">
+                <a:latin typeface="Calibri" panose="020F0502020204030204" pitchFamily="34" charset="0"/>
+                <a:ea typeface="Calibri" panose="020F0502020204030204" pitchFamily="34" charset="0"/>
+                <a:cs typeface="Calibri" panose="020F0502020204030204" pitchFamily="34" charset="0"/>
+              </a:rPr>
+              <a:t>(</a:t>
+            </a:r>
+            <a:r>
+              <a:rPr lang="en-IN" sz="2400" dirty="0" err="1">
+                <a:latin typeface="Calibri" panose="020F0502020204030204" pitchFamily="34" charset="0"/>
+                <a:ea typeface="Calibri" panose="020F0502020204030204" pitchFamily="34" charset="0"/>
+                <a:cs typeface="Calibri" panose="020F0502020204030204" pitchFamily="34" charset="0"/>
+              </a:rPr>
+              <a:t>MyReducer.class</a:t>
+            </a:r>
+            <a:r>
+              <a:rPr lang="en-IN" sz="2400" dirty="0">
+                <a:latin typeface="Calibri" panose="020F0502020204030204" pitchFamily="34" charset="0"/>
+                <a:ea typeface="Calibri" panose="020F0502020204030204" pitchFamily="34" charset="0"/>
+                <a:cs typeface="Calibri" panose="020F0502020204030204" pitchFamily="34" charset="0"/>
+              </a:rPr>
+              <a:t>); </a:t>
+            </a:r>
+          </a:p>
+          <a:p>
+            <a:pPr marL="0" indent="0">
+              <a:lnSpc>
+                <a:spcPct val="150000"/>
+              </a:lnSpc>
+              <a:buNone/>
+            </a:pPr>
+            <a:r>
+              <a:rPr lang="en-IN" sz="2400" dirty="0" err="1">
+                <a:latin typeface="Calibri" panose="020F0502020204030204" pitchFamily="34" charset="0"/>
+                <a:ea typeface="Calibri" panose="020F0502020204030204" pitchFamily="34" charset="0"/>
+                <a:cs typeface="Calibri" panose="020F0502020204030204" pitchFamily="34" charset="0"/>
+              </a:rPr>
+              <a:t>job.setOutputKeyClass</a:t>
+            </a:r>
+            <a:r>
+              <a:rPr lang="en-IN" sz="2400" dirty="0">
+                <a:latin typeface="Calibri" panose="020F0502020204030204" pitchFamily="34" charset="0"/>
+                <a:ea typeface="Calibri" panose="020F0502020204030204" pitchFamily="34" charset="0"/>
+                <a:cs typeface="Calibri" panose="020F0502020204030204" pitchFamily="34" charset="0"/>
+              </a:rPr>
+              <a:t>(</a:t>
+            </a:r>
+            <a:r>
+              <a:rPr lang="en-IN" sz="2400" dirty="0" err="1">
+                <a:latin typeface="Calibri" panose="020F0502020204030204" pitchFamily="34" charset="0"/>
+                <a:ea typeface="Calibri" panose="020F0502020204030204" pitchFamily="34" charset="0"/>
+                <a:cs typeface="Calibri" panose="020F0502020204030204" pitchFamily="34" charset="0"/>
+              </a:rPr>
+              <a:t>Text.class</a:t>
+            </a:r>
+            <a:r>
+              <a:rPr lang="en-IN" sz="2400" dirty="0">
+                <a:latin typeface="Calibri" panose="020F0502020204030204" pitchFamily="34" charset="0"/>
+                <a:ea typeface="Calibri" panose="020F0502020204030204" pitchFamily="34" charset="0"/>
+                <a:cs typeface="Calibri" panose="020F0502020204030204" pitchFamily="34" charset="0"/>
+              </a:rPr>
+              <a:t>);        </a:t>
+            </a:r>
+            <a:r>
+              <a:rPr lang="en-IN" sz="2400" dirty="0" err="1">
+                <a:latin typeface="Calibri" panose="020F0502020204030204" pitchFamily="34" charset="0"/>
+                <a:ea typeface="Calibri" panose="020F0502020204030204" pitchFamily="34" charset="0"/>
+                <a:cs typeface="Calibri" panose="020F0502020204030204" pitchFamily="34" charset="0"/>
+              </a:rPr>
+              <a:t>job.setOutputValueClass</a:t>
+            </a:r>
+            <a:r>
+              <a:rPr lang="en-IN" sz="2400" dirty="0">
+                <a:latin typeface="Calibri" panose="020F0502020204030204" pitchFamily="34" charset="0"/>
+                <a:ea typeface="Calibri" panose="020F0502020204030204" pitchFamily="34" charset="0"/>
+                <a:cs typeface="Calibri" panose="020F0502020204030204" pitchFamily="34" charset="0"/>
+              </a:rPr>
+              <a:t>(</a:t>
+            </a:r>
+            <a:r>
+              <a:rPr lang="en-IN" sz="2400" dirty="0" err="1">
+                <a:latin typeface="Calibri" panose="020F0502020204030204" pitchFamily="34" charset="0"/>
+                <a:ea typeface="Calibri" panose="020F0502020204030204" pitchFamily="34" charset="0"/>
+                <a:cs typeface="Calibri" panose="020F0502020204030204" pitchFamily="34" charset="0"/>
+              </a:rPr>
+              <a:t>IntWritable.class</a:t>
+            </a:r>
+            <a:r>
+              <a:rPr lang="en-IN" sz="2400" dirty="0">
+                <a:latin typeface="Calibri" panose="020F0502020204030204" pitchFamily="34" charset="0"/>
+                <a:ea typeface="Calibri" panose="020F0502020204030204" pitchFamily="34" charset="0"/>
+                <a:cs typeface="Calibri" panose="020F0502020204030204" pitchFamily="34" charset="0"/>
+              </a:rPr>
+              <a:t>);        </a:t>
+            </a:r>
+            <a:r>
+              <a:rPr lang="en-IN" sz="2400" dirty="0" err="1">
+                <a:latin typeface="Calibri" panose="020F0502020204030204" pitchFamily="34" charset="0"/>
+                <a:ea typeface="Calibri" panose="020F0502020204030204" pitchFamily="34" charset="0"/>
+                <a:cs typeface="Calibri" panose="020F0502020204030204" pitchFamily="34" charset="0"/>
+              </a:rPr>
+              <a:t>FileInputFormat.addInputPath</a:t>
+            </a:r>
+            <a:r>
+              <a:rPr lang="en-IN" sz="2400" dirty="0">
+                <a:latin typeface="Calibri" panose="020F0502020204030204" pitchFamily="34" charset="0"/>
+                <a:ea typeface="Calibri" panose="020F0502020204030204" pitchFamily="34" charset="0"/>
+                <a:cs typeface="Calibri" panose="020F0502020204030204" pitchFamily="34" charset="0"/>
+              </a:rPr>
+              <a:t>(job, new Path(</a:t>
+            </a:r>
+            <a:r>
+              <a:rPr lang="en-IN" sz="2400" dirty="0" err="1">
+                <a:latin typeface="Calibri" panose="020F0502020204030204" pitchFamily="34" charset="0"/>
+                <a:ea typeface="Calibri" panose="020F0502020204030204" pitchFamily="34" charset="0"/>
+                <a:cs typeface="Calibri" panose="020F0502020204030204" pitchFamily="34" charset="0"/>
+              </a:rPr>
+              <a:t>args</a:t>
+            </a:r>
+            <a:r>
+              <a:rPr lang="en-IN" sz="2400" dirty="0">
+                <a:latin typeface="Calibri" panose="020F0502020204030204" pitchFamily="34" charset="0"/>
+                <a:ea typeface="Calibri" panose="020F0502020204030204" pitchFamily="34" charset="0"/>
+                <a:cs typeface="Calibri" panose="020F0502020204030204" pitchFamily="34" charset="0"/>
+              </a:rPr>
+              <a:t>[0]));        </a:t>
+            </a:r>
+            <a:r>
+              <a:rPr lang="en-IN" sz="2400" dirty="0" err="1">
+                <a:latin typeface="Calibri" panose="020F0502020204030204" pitchFamily="34" charset="0"/>
+                <a:ea typeface="Calibri" panose="020F0502020204030204" pitchFamily="34" charset="0"/>
+                <a:cs typeface="Calibri" panose="020F0502020204030204" pitchFamily="34" charset="0"/>
+              </a:rPr>
+              <a:t>FileOutputFormat.setOutputPath</a:t>
+            </a:r>
+            <a:r>
+              <a:rPr lang="en-IN" sz="2400" dirty="0">
+                <a:latin typeface="Calibri" panose="020F0502020204030204" pitchFamily="34" charset="0"/>
+                <a:ea typeface="Calibri" panose="020F0502020204030204" pitchFamily="34" charset="0"/>
+                <a:cs typeface="Calibri" panose="020F0502020204030204" pitchFamily="34" charset="0"/>
+              </a:rPr>
+              <a:t>(job, new Path(</a:t>
+            </a:r>
+            <a:r>
+              <a:rPr lang="en-IN" sz="2400" dirty="0" err="1">
+                <a:latin typeface="Calibri" panose="020F0502020204030204" pitchFamily="34" charset="0"/>
+                <a:ea typeface="Calibri" panose="020F0502020204030204" pitchFamily="34" charset="0"/>
+                <a:cs typeface="Calibri" panose="020F0502020204030204" pitchFamily="34" charset="0"/>
+              </a:rPr>
+              <a:t>args</a:t>
+            </a:r>
+            <a:r>
+              <a:rPr lang="en-IN" sz="2400" dirty="0">
+                <a:latin typeface="Calibri" panose="020F0502020204030204" pitchFamily="34" charset="0"/>
+                <a:ea typeface="Calibri" panose="020F0502020204030204" pitchFamily="34" charset="0"/>
+                <a:cs typeface="Calibri" panose="020F0502020204030204" pitchFamily="34" charset="0"/>
+              </a:rPr>
+              <a:t>[1]));        </a:t>
+            </a:r>
+            <a:r>
+              <a:rPr lang="en-IN" sz="2400" dirty="0" err="1">
+                <a:latin typeface="Calibri" panose="020F0502020204030204" pitchFamily="34" charset="0"/>
+                <a:ea typeface="Calibri" panose="020F0502020204030204" pitchFamily="34" charset="0"/>
+                <a:cs typeface="Calibri" panose="020F0502020204030204" pitchFamily="34" charset="0"/>
+              </a:rPr>
+              <a:t>job.waitForCompletion</a:t>
+            </a:r>
+            <a:r>
+              <a:rPr lang="en-IN" sz="2400" dirty="0">
+                <a:latin typeface="Calibri" panose="020F0502020204030204" pitchFamily="34" charset="0"/>
+                <a:ea typeface="Calibri" panose="020F0502020204030204" pitchFamily="34" charset="0"/>
+                <a:cs typeface="Calibri" panose="020F0502020204030204" pitchFamily="34" charset="0"/>
+              </a:rPr>
+              <a:t>(true);   </a:t>
+            </a:r>
+          </a:p>
+          <a:p>
+            <a:pPr marL="0" indent="0">
+              <a:lnSpc>
+                <a:spcPct val="150000"/>
+              </a:lnSpc>
+              <a:buNone/>
+            </a:pPr>
+            <a:r>
+              <a:rPr lang="en-IN" sz="2400" dirty="0">
+                <a:latin typeface="Calibri" panose="020F0502020204030204" pitchFamily="34" charset="0"/>
+                <a:ea typeface="Calibri" panose="020F0502020204030204" pitchFamily="34" charset="0"/>
+                <a:cs typeface="Calibri" panose="020F0502020204030204" pitchFamily="34" charset="0"/>
+              </a:rPr>
+              <a:t> }}</a:t>
+            </a:r>
+          </a:p>
+        </p:txBody>
+      </p:sp>
+    </p:spTree>
+    <p:extLst>
+      <p:ext uri="{BB962C8B-B14F-4D97-AF65-F5344CB8AC3E}">
+        <p14:creationId xmlns:p14="http://schemas.microsoft.com/office/powerpoint/2010/main" val="1237861600"/>
+      </p:ext>
+    </p:extLst>
+  </p:cSld>
+  <p:clrMapOvr>
+    <a:masterClrMapping/>
+  </p:clrMapOvr>
+</p:sld>
+</file>
+
+<file path=ppt/slides/slide15.xml><?xml version="1.0" encoding="utf-8"?>
+<p:sld xmlns:a="http://schemas.openxmlformats.org/drawingml/2006/main" xmlns:r="http://schemas.openxmlformats.org/officeDocument/2006/relationships" xmlns:p="http://schemas.openxmlformats.org/presentationml/2006/main">
+  <p:cSld>
+    <p:spTree>
+      <p:nvGrpSpPr>
+        <p:cNvPr id="1" name=""/>
+        <p:cNvGrpSpPr/>
+        <p:nvPr/>
+      </p:nvGrpSpPr>
+      <p:grpSpPr>
+        <a:xfrm>
+          <a:off x="0" y="0"/>
+          <a:ext cx="0" cy="0"/>
+          <a:chOff x="0" y="0"/>
+          <a:chExt cx="0" cy="0"/>
+        </a:xfrm>
+      </p:grpSpPr>
+      <p:sp>
+        <p:nvSpPr>
+          <p:cNvPr id="2" name="Title 1">
+            <a:extLst>
+              <a:ext uri="{FF2B5EF4-FFF2-40B4-BE49-F238E27FC236}">
+                <a16:creationId xmlns:a16="http://schemas.microsoft.com/office/drawing/2014/main" id="{DC0291DD-8C1B-C14F-B4CE-11D339E635A5}"/>
+              </a:ext>
+            </a:extLst>
+          </p:cNvPr>
+          <p:cNvSpPr>
+            <a:spLocks noGrp="1"/>
+          </p:cNvSpPr>
+          <p:nvPr>
+            <p:ph type="title"/>
+          </p:nvPr>
+        </p:nvSpPr>
+        <p:spPr>
+          <a:xfrm>
+            <a:off x="2589212" y="852710"/>
+            <a:ext cx="8911687" cy="1280890"/>
+          </a:xfrm>
+        </p:spPr>
+        <p:txBody>
+          <a:bodyPr/>
+          <a:lstStyle/>
+          <a:p>
+            <a:r>
+              <a:rPr lang="en-US" dirty="0">
+                <a:latin typeface="Arial Black" panose="020B0A04020102020204" pitchFamily="34" charset="0"/>
+              </a:rPr>
+              <a:t>CONCLUSION:</a:t>
+            </a:r>
+            <a:endParaRPr lang="en-IN" dirty="0">
+              <a:latin typeface="Arial Black" panose="020B0A04020102020204" pitchFamily="34" charset="0"/>
+            </a:endParaRPr>
+          </a:p>
+        </p:txBody>
+      </p:sp>
+      <p:sp>
+        <p:nvSpPr>
+          <p:cNvPr id="3" name="Content Placeholder 2">
+            <a:extLst>
+              <a:ext uri="{FF2B5EF4-FFF2-40B4-BE49-F238E27FC236}">
+                <a16:creationId xmlns:a16="http://schemas.microsoft.com/office/drawing/2014/main" id="{12323722-2EE3-7703-BD83-72949A7729D2}"/>
+              </a:ext>
+            </a:extLst>
+          </p:cNvPr>
+          <p:cNvSpPr>
+            <a:spLocks noGrp="1"/>
+          </p:cNvSpPr>
+          <p:nvPr>
+            <p:ph idx="1"/>
+          </p:nvPr>
+        </p:nvSpPr>
+        <p:spPr>
+          <a:xfrm>
+            <a:off x="2510554" y="1986116"/>
+            <a:ext cx="8915400" cy="3777622"/>
+          </a:xfrm>
+        </p:spPr>
+        <p:txBody>
+          <a:bodyPr/>
+          <a:lstStyle/>
+          <a:p>
+            <a:pPr>
+              <a:lnSpc>
+                <a:spcPct val="150000"/>
+              </a:lnSpc>
+            </a:pPr>
+            <a:r>
+              <a:rPr lang="en-US" sz="2400" dirty="0">
+                <a:latin typeface="Calibri" panose="020F0502020204030204" pitchFamily="34" charset="0"/>
+                <a:ea typeface="Calibri" panose="020F0502020204030204" pitchFamily="34" charset="0"/>
+                <a:cs typeface="Calibri" panose="020F0502020204030204" pitchFamily="34" charset="0"/>
+              </a:rPr>
+              <a:t>This code demonstrates a simple word count example using Hadoop's MapReduce.</a:t>
+            </a:r>
+          </a:p>
+          <a:p>
+            <a:pPr>
+              <a:lnSpc>
+                <a:spcPct val="150000"/>
+              </a:lnSpc>
+            </a:pPr>
+            <a:r>
+              <a:rPr lang="en-US" sz="2400" dirty="0">
+                <a:latin typeface="Calibri" panose="020F0502020204030204" pitchFamily="34" charset="0"/>
+                <a:ea typeface="Calibri" panose="020F0502020204030204" pitchFamily="34" charset="0"/>
+                <a:cs typeface="Calibri" panose="020F0502020204030204" pitchFamily="34" charset="0"/>
+              </a:rPr>
+              <a:t> Remember that big data analysis often involves more complex processing and may require tools like Apache Spark.</a:t>
+            </a:r>
+          </a:p>
+          <a:p>
+            <a:pPr>
+              <a:lnSpc>
+                <a:spcPct val="150000"/>
+              </a:lnSpc>
+            </a:pPr>
+            <a:r>
+              <a:rPr lang="en-US" sz="2400" dirty="0">
+                <a:latin typeface="Calibri" panose="020F0502020204030204" pitchFamily="34" charset="0"/>
+                <a:ea typeface="Calibri" panose="020F0502020204030204" pitchFamily="34" charset="0"/>
+                <a:cs typeface="Calibri" panose="020F0502020204030204" pitchFamily="34" charset="0"/>
+              </a:rPr>
+              <a:t>Python with libraries like Pandas and </a:t>
+            </a:r>
+            <a:r>
+              <a:rPr lang="en-US" sz="2400" dirty="0" err="1">
+                <a:latin typeface="Calibri" panose="020F0502020204030204" pitchFamily="34" charset="0"/>
+                <a:ea typeface="Calibri" panose="020F0502020204030204" pitchFamily="34" charset="0"/>
+                <a:cs typeface="Calibri" panose="020F0502020204030204" pitchFamily="34" charset="0"/>
+              </a:rPr>
+              <a:t>Dask</a:t>
+            </a:r>
+            <a:r>
+              <a:rPr lang="en-US" sz="2400" dirty="0">
+                <a:latin typeface="Calibri" panose="020F0502020204030204" pitchFamily="34" charset="0"/>
+                <a:ea typeface="Calibri" panose="020F0502020204030204" pitchFamily="34" charset="0"/>
+                <a:cs typeface="Calibri" panose="020F0502020204030204" pitchFamily="34" charset="0"/>
+              </a:rPr>
+              <a:t>, or other technologies depending on your specific requirements and dataset size.</a:t>
+            </a:r>
+            <a:endParaRPr lang="en-IN" sz="2400" dirty="0">
+              <a:latin typeface="Calibri" panose="020F0502020204030204" pitchFamily="34" charset="0"/>
+              <a:ea typeface="Calibri" panose="020F0502020204030204" pitchFamily="34" charset="0"/>
+              <a:cs typeface="Calibri" panose="020F0502020204030204" pitchFamily="34" charset="0"/>
+            </a:endParaRPr>
+          </a:p>
+          <a:p>
+            <a:endParaRPr lang="en-IN" dirty="0"/>
+          </a:p>
+        </p:txBody>
+      </p:sp>
+    </p:spTree>
+    <p:extLst>
+      <p:ext uri="{BB962C8B-B14F-4D97-AF65-F5344CB8AC3E}">
+        <p14:creationId xmlns:p14="http://schemas.microsoft.com/office/powerpoint/2010/main" val="1674849771"/>
+      </p:ext>
+    </p:extLst>
+  </p:cSld>
+  <p:clrMapOvr>
+    <a:masterClrMapping/>
+  </p:clrMapOvr>
+</p:sld>
+</file>
+
 <file path=ppt/slides/slide2.xml><?xml version="1.0" encoding="utf-8"?>
 <p:sld xmlns:a="http://schemas.openxmlformats.org/drawingml/2006/main" xmlns:r="http://schemas.openxmlformats.org/officeDocument/2006/relationships" xmlns:p="http://schemas.openxmlformats.org/presentationml/2006/main">
   <p:cSld>
@@ -9330,6 +11182,133 @@
     <p:extLst>
       <p:ext uri="{BB962C8B-B14F-4D97-AF65-F5344CB8AC3E}">
         <p14:creationId xmlns:p14="http://schemas.microsoft.com/office/powerpoint/2010/main" val="4135242522"/>
+      </p:ext>
+    </p:extLst>
+  </p:cSld>
+  <p:clrMapOvr>
+    <a:masterClrMapping/>
+  </p:clrMapOvr>
+</p:sld>
+</file>
+
+<file path=ppt/slides/slide9.xml><?xml version="1.0" encoding="utf-8"?>
+<p:sld xmlns:a="http://schemas.openxmlformats.org/drawingml/2006/main" xmlns:r="http://schemas.openxmlformats.org/officeDocument/2006/relationships" xmlns:p="http://schemas.openxmlformats.org/presentationml/2006/main">
+  <p:cSld>
+    <p:spTree>
+      <p:nvGrpSpPr>
+        <p:cNvPr id="1" name=""/>
+        <p:cNvGrpSpPr/>
+        <p:nvPr/>
+      </p:nvGrpSpPr>
+      <p:grpSpPr>
+        <a:xfrm>
+          <a:off x="0" y="0"/>
+          <a:ext cx="0" cy="0"/>
+          <a:chOff x="0" y="0"/>
+          <a:chExt cx="0" cy="0"/>
+        </a:xfrm>
+      </p:grpSpPr>
+      <p:sp>
+        <p:nvSpPr>
+          <p:cNvPr id="2" name="Title 1">
+            <a:extLst>
+              <a:ext uri="{FF2B5EF4-FFF2-40B4-BE49-F238E27FC236}">
+                <a16:creationId xmlns:a16="http://schemas.microsoft.com/office/drawing/2014/main" id="{C9AD02D1-C3BB-2AAC-B062-F54407D0E580}"/>
+              </a:ext>
+            </a:extLst>
+          </p:cNvPr>
+          <p:cNvSpPr>
+            <a:spLocks noGrp="1"/>
+          </p:cNvSpPr>
+          <p:nvPr>
+            <p:ph type="title"/>
+          </p:nvPr>
+        </p:nvSpPr>
+        <p:spPr>
+          <a:xfrm>
+            <a:off x="1903916" y="487924"/>
+            <a:ext cx="8911687" cy="1280890"/>
+          </a:xfrm>
+        </p:spPr>
+        <p:txBody>
+          <a:bodyPr/>
+          <a:lstStyle/>
+          <a:p>
+            <a:r>
+              <a:rPr lang="en-US" dirty="0">
+                <a:latin typeface="Arial Black" panose="020B0A04020102020204" pitchFamily="34" charset="0"/>
+              </a:rPr>
+              <a:t>DEMONSTRATION:</a:t>
+            </a:r>
+            <a:endParaRPr lang="en-IN" dirty="0">
+              <a:latin typeface="Arial Black" panose="020B0A04020102020204" pitchFamily="34" charset="0"/>
+            </a:endParaRPr>
+          </a:p>
+        </p:txBody>
+      </p:sp>
+      <p:sp>
+        <p:nvSpPr>
+          <p:cNvPr id="3" name="Content Placeholder 2">
+            <a:extLst>
+              <a:ext uri="{FF2B5EF4-FFF2-40B4-BE49-F238E27FC236}">
+                <a16:creationId xmlns:a16="http://schemas.microsoft.com/office/drawing/2014/main" id="{8CA990CA-EBB2-6514-544F-8A0ADDFC5007}"/>
+              </a:ext>
+            </a:extLst>
+          </p:cNvPr>
+          <p:cNvSpPr>
+            <a:spLocks noGrp="1"/>
+          </p:cNvSpPr>
+          <p:nvPr>
+            <p:ph idx="1"/>
+          </p:nvPr>
+        </p:nvSpPr>
+        <p:spPr>
+          <a:xfrm>
+            <a:off x="1903916" y="1838632"/>
+            <a:ext cx="8915400" cy="3777622"/>
+          </a:xfrm>
+        </p:spPr>
+        <p:txBody>
+          <a:bodyPr>
+            <a:normAutofit/>
+          </a:bodyPr>
+          <a:lstStyle/>
+          <a:p>
+            <a:pPr>
+              <a:lnSpc>
+                <a:spcPct val="150000"/>
+              </a:lnSpc>
+            </a:pPr>
+            <a:r>
+              <a:rPr lang="en-US" sz="2400" dirty="0">
+                <a:latin typeface="Calibri" panose="020F0502020204030204" pitchFamily="34" charset="0"/>
+                <a:ea typeface="Calibri" panose="020F0502020204030204" pitchFamily="34" charset="0"/>
+                <a:cs typeface="Calibri" panose="020F0502020204030204" pitchFamily="34" charset="0"/>
+              </a:rPr>
+              <a:t>Big data analysis typically involves using specialized tools and programming languages to process and analyze large datasets.</a:t>
+            </a:r>
+          </a:p>
+          <a:p>
+            <a:pPr>
+              <a:lnSpc>
+                <a:spcPct val="150000"/>
+              </a:lnSpc>
+            </a:pPr>
+            <a:r>
+              <a:rPr lang="en-US" sz="2400" dirty="0">
+                <a:latin typeface="Calibri" panose="020F0502020204030204" pitchFamily="34" charset="0"/>
+                <a:ea typeface="Calibri" panose="020F0502020204030204" pitchFamily="34" charset="0"/>
+                <a:cs typeface="Calibri" panose="020F0502020204030204" pitchFamily="34" charset="0"/>
+              </a:rPr>
+              <a:t> One of the most popular tools for this purpose is Apache Hadoop, which allows you to distribute data processing across a cluster of computers. Here's a simplified example of code in Hadoop's MapReduce framework using Java</a:t>
+            </a:r>
+          </a:p>
+        </p:txBody>
+      </p:sp>
+    </p:spTree>
+    <p:extLst>
+      <p:ext uri="{BB962C8B-B14F-4D97-AF65-F5344CB8AC3E}">
+        <p14:creationId xmlns:p14="http://schemas.microsoft.com/office/powerpoint/2010/main" val="4111713920"/>
       </p:ext>
     </p:extLst>
   </p:cSld>
